--- a/doc/presentation-mutation.pptx
+++ b/doc/presentation-mutation.pptx
@@ -4,6 +4,9 @@
   <p:sldMasterIdLst>
     <p:sldMasterId id="2147483648" r:id="rId1"/>
   </p:sldMasterIdLst>
+  <p:notesMasterIdLst>
+    <p:notesMasterId r:id="rId13"/>
+  </p:notesMasterIdLst>
   <p:sldIdLst>
     <p:sldId id="256" r:id="rId2"/>
     <p:sldId id="257" r:id="rId3"/>
@@ -15,6 +18,7 @@
     <p:sldId id="263" r:id="rId9"/>
     <p:sldId id="265" r:id="rId10"/>
     <p:sldId id="264" r:id="rId11"/>
+    <p:sldId id="266" r:id="rId12"/>
   </p:sldIdLst>
   <p:sldSz cx="12192000" cy="6858000"/>
   <p:notesSz cx="6858000" cy="9144000"/>
@@ -156,6 +160,356 @@
 </p:cmLst>
 </file>
 
+<file path=ppt/notesMasters/notesMaster1.xml><?xml version="1.0" encoding="utf-8"?>
+<p:notesMaster xmlns:a="http://schemas.openxmlformats.org/drawingml/2006/main" xmlns:r="http://schemas.openxmlformats.org/officeDocument/2006/relationships" xmlns:p="http://schemas.openxmlformats.org/presentationml/2006/main">
+  <p:cSld>
+    <p:bg>
+      <p:bgRef idx="1001">
+        <a:schemeClr val="bg1"/>
+      </p:bgRef>
+    </p:bg>
+    <p:spTree>
+      <p:nvGrpSpPr>
+        <p:cNvPr id="1" name=""/>
+        <p:cNvGrpSpPr/>
+        <p:nvPr/>
+      </p:nvGrpSpPr>
+      <p:grpSpPr>
+        <a:xfrm>
+          <a:off x="0" y="0"/>
+          <a:ext cx="0" cy="0"/>
+          <a:chOff x="0" y="0"/>
+          <a:chExt cx="0" cy="0"/>
+        </a:xfrm>
+      </p:grpSpPr>
+      <p:sp>
+        <p:nvSpPr>
+          <p:cNvPr id="2" name="Header Placeholder 1"/>
+          <p:cNvSpPr>
+            <a:spLocks noGrp="1"/>
+          </p:cNvSpPr>
+          <p:nvPr>
+            <p:ph type="hdr" sz="quarter"/>
+          </p:nvPr>
+        </p:nvSpPr>
+        <p:spPr>
+          <a:xfrm>
+            <a:off x="0" y="0"/>
+            <a:ext cx="2971800" cy="458788"/>
+          </a:xfrm>
+          <a:prstGeom prst="rect">
+            <a:avLst/>
+          </a:prstGeom>
+        </p:spPr>
+        <p:txBody>
+          <a:bodyPr vert="horz" lIns="91440" tIns="45720" rIns="91440" bIns="45720" rtlCol="0"/>
+          <a:lstStyle>
+            <a:lvl1pPr algn="l">
+              <a:defRPr sz="1200"/>
+            </a:lvl1pPr>
+          </a:lstStyle>
+          <a:p>
+            <a:endParaRPr lang="hu-HU"/>
+          </a:p>
+        </p:txBody>
+      </p:sp>
+      <p:sp>
+        <p:nvSpPr>
+          <p:cNvPr id="3" name="Date Placeholder 2"/>
+          <p:cNvSpPr>
+            <a:spLocks noGrp="1"/>
+          </p:cNvSpPr>
+          <p:nvPr>
+            <p:ph type="dt" idx="1"/>
+          </p:nvPr>
+        </p:nvSpPr>
+        <p:spPr>
+          <a:xfrm>
+            <a:off x="3884613" y="0"/>
+            <a:ext cx="2971800" cy="458788"/>
+          </a:xfrm>
+          <a:prstGeom prst="rect">
+            <a:avLst/>
+          </a:prstGeom>
+        </p:spPr>
+        <p:txBody>
+          <a:bodyPr vert="horz" lIns="91440" tIns="45720" rIns="91440" bIns="45720" rtlCol="0"/>
+          <a:lstStyle>
+            <a:lvl1pPr algn="r">
+              <a:defRPr sz="1200"/>
+            </a:lvl1pPr>
+          </a:lstStyle>
+          <a:p>
+            <a:fld id="{050833AE-3F72-4298-BE01-2131C90B7A51}" type="datetimeFigureOut">
+              <a:rPr lang="hu-HU" smtClean="0"/>
+              <a:t>2021. 01. 31.</a:t>
+            </a:fld>
+            <a:endParaRPr lang="hu-HU"/>
+          </a:p>
+        </p:txBody>
+      </p:sp>
+      <p:sp>
+        <p:nvSpPr>
+          <p:cNvPr id="4" name="Slide Image Placeholder 3"/>
+          <p:cNvSpPr>
+            <a:spLocks noGrp="1" noRot="1" noChangeAspect="1"/>
+          </p:cNvSpPr>
+          <p:nvPr>
+            <p:ph type="sldImg" idx="2"/>
+          </p:nvPr>
+        </p:nvSpPr>
+        <p:spPr>
+          <a:xfrm>
+            <a:off x="685800" y="1143000"/>
+            <a:ext cx="5486400" cy="3086100"/>
+          </a:xfrm>
+          <a:prstGeom prst="rect">
+            <a:avLst/>
+          </a:prstGeom>
+          <a:noFill/>
+          <a:ln w="12700">
+            <a:solidFill>
+              <a:prstClr val="black"/>
+            </a:solidFill>
+          </a:ln>
+        </p:spPr>
+        <p:txBody>
+          <a:bodyPr vert="horz" lIns="91440" tIns="45720" rIns="91440" bIns="45720" rtlCol="0" anchor="ctr"/>
+          <a:lstStyle/>
+          <a:p>
+            <a:endParaRPr lang="hu-HU"/>
+          </a:p>
+        </p:txBody>
+      </p:sp>
+      <p:sp>
+        <p:nvSpPr>
+          <p:cNvPr id="5" name="Notes Placeholder 4"/>
+          <p:cNvSpPr>
+            <a:spLocks noGrp="1"/>
+          </p:cNvSpPr>
+          <p:nvPr>
+            <p:ph type="body" sz="quarter" idx="3"/>
+          </p:nvPr>
+        </p:nvSpPr>
+        <p:spPr>
+          <a:xfrm>
+            <a:off x="685800" y="4400550"/>
+            <a:ext cx="5486400" cy="3600450"/>
+          </a:xfrm>
+          <a:prstGeom prst="rect">
+            <a:avLst/>
+          </a:prstGeom>
+        </p:spPr>
+        <p:txBody>
+          <a:bodyPr vert="horz" lIns="91440" tIns="45720" rIns="91440" bIns="45720" rtlCol="0"/>
+          <a:lstStyle/>
+          <a:p>
+            <a:pPr lvl="0"/>
+            <a:r>
+              <a:rPr lang="en-US"/>
+              <a:t>Click to edit Master text styles</a:t>
+            </a:r>
+          </a:p>
+          <a:p>
+            <a:pPr lvl="1"/>
+            <a:r>
+              <a:rPr lang="en-US"/>
+              <a:t>Second level</a:t>
+            </a:r>
+          </a:p>
+          <a:p>
+            <a:pPr lvl="2"/>
+            <a:r>
+              <a:rPr lang="en-US"/>
+              <a:t>Third level</a:t>
+            </a:r>
+          </a:p>
+          <a:p>
+            <a:pPr lvl="3"/>
+            <a:r>
+              <a:rPr lang="en-US"/>
+              <a:t>Fourth level</a:t>
+            </a:r>
+          </a:p>
+          <a:p>
+            <a:pPr lvl="4"/>
+            <a:r>
+              <a:rPr lang="en-US"/>
+              <a:t>Fifth level</a:t>
+            </a:r>
+            <a:endParaRPr lang="hu-HU"/>
+          </a:p>
+        </p:txBody>
+      </p:sp>
+      <p:sp>
+        <p:nvSpPr>
+          <p:cNvPr id="6" name="Footer Placeholder 5"/>
+          <p:cNvSpPr>
+            <a:spLocks noGrp="1"/>
+          </p:cNvSpPr>
+          <p:nvPr>
+            <p:ph type="ftr" sz="quarter" idx="4"/>
+          </p:nvPr>
+        </p:nvSpPr>
+        <p:spPr>
+          <a:xfrm>
+            <a:off x="0" y="8685213"/>
+            <a:ext cx="2971800" cy="458787"/>
+          </a:xfrm>
+          <a:prstGeom prst="rect">
+            <a:avLst/>
+          </a:prstGeom>
+        </p:spPr>
+        <p:txBody>
+          <a:bodyPr vert="horz" lIns="91440" tIns="45720" rIns="91440" bIns="45720" rtlCol="0" anchor="b"/>
+          <a:lstStyle>
+            <a:lvl1pPr algn="l">
+              <a:defRPr sz="1200"/>
+            </a:lvl1pPr>
+          </a:lstStyle>
+          <a:p>
+            <a:endParaRPr lang="hu-HU"/>
+          </a:p>
+        </p:txBody>
+      </p:sp>
+      <p:sp>
+        <p:nvSpPr>
+          <p:cNvPr id="7" name="Slide Number Placeholder 6"/>
+          <p:cNvSpPr>
+            <a:spLocks noGrp="1"/>
+          </p:cNvSpPr>
+          <p:nvPr>
+            <p:ph type="sldNum" sz="quarter" idx="5"/>
+          </p:nvPr>
+        </p:nvSpPr>
+        <p:spPr>
+          <a:xfrm>
+            <a:off x="3884613" y="8685213"/>
+            <a:ext cx="2971800" cy="458787"/>
+          </a:xfrm>
+          <a:prstGeom prst="rect">
+            <a:avLst/>
+          </a:prstGeom>
+        </p:spPr>
+        <p:txBody>
+          <a:bodyPr vert="horz" lIns="91440" tIns="45720" rIns="91440" bIns="45720" rtlCol="0" anchor="b"/>
+          <a:lstStyle>
+            <a:lvl1pPr algn="r">
+              <a:defRPr sz="1200"/>
+            </a:lvl1pPr>
+          </a:lstStyle>
+          <a:p>
+            <a:fld id="{D6B51D6E-635C-41EB-98F3-3F1189632114}" type="slidenum">
+              <a:rPr lang="hu-HU" smtClean="0"/>
+              <a:t>‹#›</a:t>
+            </a:fld>
+            <a:endParaRPr lang="hu-HU"/>
+          </a:p>
+        </p:txBody>
+      </p:sp>
+    </p:spTree>
+    <p:extLst>
+      <p:ext uri="{BB962C8B-B14F-4D97-AF65-F5344CB8AC3E}">
+        <p14:creationId xmlns:p14="http://schemas.microsoft.com/office/powerpoint/2010/main" val="1694861727"/>
+      </p:ext>
+    </p:extLst>
+  </p:cSld>
+  <p:clrMap bg1="lt1" tx1="dk1" bg2="lt2" tx2="dk2" accent1="accent1" accent2="accent2" accent3="accent3" accent4="accent4" accent5="accent5" accent6="accent6" hlink="hlink" folHlink="folHlink"/>
+  <p:notesStyle>
+    <a:lvl1pPr marL="0" algn="l" defTabSz="914400" rtl="0" eaLnBrk="1" latinLnBrk="0" hangingPunct="1">
+      <a:defRPr sz="1200" kern="1200">
+        <a:solidFill>
+          <a:schemeClr val="tx1"/>
+        </a:solidFill>
+        <a:latin typeface="+mn-lt"/>
+        <a:ea typeface="+mn-ea"/>
+        <a:cs typeface="+mn-cs"/>
+      </a:defRPr>
+    </a:lvl1pPr>
+    <a:lvl2pPr marL="457200" algn="l" defTabSz="914400" rtl="0" eaLnBrk="1" latinLnBrk="0" hangingPunct="1">
+      <a:defRPr sz="1200" kern="1200">
+        <a:solidFill>
+          <a:schemeClr val="tx1"/>
+        </a:solidFill>
+        <a:latin typeface="+mn-lt"/>
+        <a:ea typeface="+mn-ea"/>
+        <a:cs typeface="+mn-cs"/>
+      </a:defRPr>
+    </a:lvl2pPr>
+    <a:lvl3pPr marL="914400" algn="l" defTabSz="914400" rtl="0" eaLnBrk="1" latinLnBrk="0" hangingPunct="1">
+      <a:defRPr sz="1200" kern="1200">
+        <a:solidFill>
+          <a:schemeClr val="tx1"/>
+        </a:solidFill>
+        <a:latin typeface="+mn-lt"/>
+        <a:ea typeface="+mn-ea"/>
+        <a:cs typeface="+mn-cs"/>
+      </a:defRPr>
+    </a:lvl3pPr>
+    <a:lvl4pPr marL="1371600" algn="l" defTabSz="914400" rtl="0" eaLnBrk="1" latinLnBrk="0" hangingPunct="1">
+      <a:defRPr sz="1200" kern="1200">
+        <a:solidFill>
+          <a:schemeClr val="tx1"/>
+        </a:solidFill>
+        <a:latin typeface="+mn-lt"/>
+        <a:ea typeface="+mn-ea"/>
+        <a:cs typeface="+mn-cs"/>
+      </a:defRPr>
+    </a:lvl4pPr>
+    <a:lvl5pPr marL="1828800" algn="l" defTabSz="914400" rtl="0" eaLnBrk="1" latinLnBrk="0" hangingPunct="1">
+      <a:defRPr sz="1200" kern="1200">
+        <a:solidFill>
+          <a:schemeClr val="tx1"/>
+        </a:solidFill>
+        <a:latin typeface="+mn-lt"/>
+        <a:ea typeface="+mn-ea"/>
+        <a:cs typeface="+mn-cs"/>
+      </a:defRPr>
+    </a:lvl5pPr>
+    <a:lvl6pPr marL="2286000" algn="l" defTabSz="914400" rtl="0" eaLnBrk="1" latinLnBrk="0" hangingPunct="1">
+      <a:defRPr sz="1200" kern="1200">
+        <a:solidFill>
+          <a:schemeClr val="tx1"/>
+        </a:solidFill>
+        <a:latin typeface="+mn-lt"/>
+        <a:ea typeface="+mn-ea"/>
+        <a:cs typeface="+mn-cs"/>
+      </a:defRPr>
+    </a:lvl6pPr>
+    <a:lvl7pPr marL="2743200" algn="l" defTabSz="914400" rtl="0" eaLnBrk="1" latinLnBrk="0" hangingPunct="1">
+      <a:defRPr sz="1200" kern="1200">
+        <a:solidFill>
+          <a:schemeClr val="tx1"/>
+        </a:solidFill>
+        <a:latin typeface="+mn-lt"/>
+        <a:ea typeface="+mn-ea"/>
+        <a:cs typeface="+mn-cs"/>
+      </a:defRPr>
+    </a:lvl7pPr>
+    <a:lvl8pPr marL="3200400" algn="l" defTabSz="914400" rtl="0" eaLnBrk="1" latinLnBrk="0" hangingPunct="1">
+      <a:defRPr sz="1200" kern="1200">
+        <a:solidFill>
+          <a:schemeClr val="tx1"/>
+        </a:solidFill>
+        <a:latin typeface="+mn-lt"/>
+        <a:ea typeface="+mn-ea"/>
+        <a:cs typeface="+mn-cs"/>
+      </a:defRPr>
+    </a:lvl8pPr>
+    <a:lvl9pPr marL="3657600" algn="l" defTabSz="914400" rtl="0" eaLnBrk="1" latinLnBrk="0" hangingPunct="1">
+      <a:defRPr sz="1200" kern="1200">
+        <a:solidFill>
+          <a:schemeClr val="tx1"/>
+        </a:solidFill>
+        <a:latin typeface="+mn-lt"/>
+        <a:ea typeface="+mn-ea"/>
+        <a:cs typeface="+mn-cs"/>
+      </a:defRPr>
+    </a:lvl9pPr>
+  </p:notesStyle>
+</p:notesMaster>
+</file>
+
 <file path=ppt/slideLayouts/slideLayout1.xml><?xml version="1.0" encoding="utf-8"?>
 <p:sldLayout xmlns:a="http://schemas.openxmlformats.org/drawingml/2006/main" xmlns:r="http://schemas.openxmlformats.org/officeDocument/2006/relationships" xmlns:p="http://schemas.openxmlformats.org/presentationml/2006/main" type="title" preserve="1">
   <p:cSld name="Címdia">
@@ -324,8 +678,8 @@
           <a:bodyPr/>
           <a:lstStyle/>
           <a:p>
-            <a:fld id="{48A87A34-81AB-432B-8DAE-1953F412C126}" type="datetimeFigureOut">
-              <a:rPr lang="en-US" dirty="0"/>
+            <a:fld id="{43966394-2AA1-45FC-900B-D6A463C0D04B}" type="datetime1">
+              <a:rPr lang="en-US" smtClean="0"/>
               <a:t>1/31/2021</a:t>
             </a:fld>
             <a:endParaRPr lang="en-US" dirty="0"/>
@@ -352,6 +706,10 @@
           <a:bodyPr/>
           <a:lstStyle/>
           <a:p>
+            <a:r>
+              <a:rPr lang="en-US"/>
+              <a:t>zlaval</a:t>
+            </a:r>
             <a:endParaRPr lang="en-US" dirty="0"/>
           </a:p>
         </p:txBody>
@@ -586,8 +944,8 @@
           <a:bodyPr/>
           <a:lstStyle/>
           <a:p>
-            <a:fld id="{48A87A34-81AB-432B-8DAE-1953F412C126}" type="datetimeFigureOut">
-              <a:rPr lang="en-US" dirty="0"/>
+            <a:fld id="{F31C49A0-75A3-45E2-9F5E-9466AC5E36E9}" type="datetime1">
+              <a:rPr lang="en-US" smtClean="0"/>
               <a:t>1/31/2021</a:t>
             </a:fld>
             <a:endParaRPr lang="en-US" dirty="0"/>
@@ -609,6 +967,10 @@
           <a:bodyPr/>
           <a:lstStyle/>
           <a:p>
+            <a:r>
+              <a:rPr lang="en-US"/>
+              <a:t>zlaval</a:t>
+            </a:r>
             <a:endParaRPr lang="en-US" dirty="0"/>
           </a:p>
         </p:txBody>
@@ -812,9 +1174,8 @@
             </a:lvl1pPr>
           </a:lstStyle>
           <a:p>
-            <a:fld id="{48A87A34-81AB-432B-8DAE-1953F412C126}" type="datetimeFigureOut">
-              <a:rPr lang="en-US" dirty="0"/>
-              <a:pPr/>
+            <a:fld id="{01F239B4-D6C5-4FEF-999B-078B60F1CDA1}" type="datetime1">
+              <a:rPr lang="en-US" smtClean="0"/>
               <a:t>1/31/2021</a:t>
             </a:fld>
             <a:endParaRPr lang="en-US" dirty="0"/>
@@ -841,6 +1202,10 @@
           <a:bodyPr/>
           <a:lstStyle/>
           <a:p>
+            <a:r>
+              <a:rPr lang="en-US"/>
+              <a:t>zlaval</a:t>
+            </a:r>
             <a:endParaRPr lang="en-US" dirty="0"/>
           </a:p>
         </p:txBody>
@@ -1118,9 +1483,8 @@
             </a:lvl1pPr>
           </a:lstStyle>
           <a:p>
-            <a:fld id="{48A87A34-81AB-432B-8DAE-1953F412C126}" type="datetimeFigureOut">
-              <a:rPr lang="en-US" dirty="0"/>
-              <a:pPr/>
+            <a:fld id="{3D952A1E-E70A-44B7-84D0-4120C9EE0571}" type="datetime1">
+              <a:rPr lang="en-US" smtClean="0"/>
               <a:t>1/31/2021</a:t>
             </a:fld>
             <a:endParaRPr lang="en-US" dirty="0"/>
@@ -1147,6 +1511,10 @@
           <a:bodyPr/>
           <a:lstStyle/>
           <a:p>
+            <a:r>
+              <a:rPr lang="en-US"/>
+              <a:t>zlaval</a:t>
+            </a:r>
             <a:endParaRPr lang="en-US" dirty="0"/>
           </a:p>
         </p:txBody>
@@ -1587,9 +1955,8 @@
             </a:lvl1pPr>
           </a:lstStyle>
           <a:p>
-            <a:fld id="{48A87A34-81AB-432B-8DAE-1953F412C126}" type="datetimeFigureOut">
-              <a:rPr lang="en-US" dirty="0"/>
-              <a:pPr/>
+            <a:fld id="{68243689-1436-46EF-9C7E-7D8C99BA2659}" type="datetime1">
+              <a:rPr lang="en-US" smtClean="0"/>
               <a:t>1/31/2021</a:t>
             </a:fld>
             <a:endParaRPr lang="en-US" dirty="0"/>
@@ -1616,6 +1983,10 @@
           <a:bodyPr/>
           <a:lstStyle/>
           <a:p>
+            <a:r>
+              <a:rPr lang="en-US"/>
+              <a:t>zlaval</a:t>
+            </a:r>
             <a:endParaRPr lang="en-US" dirty="0"/>
           </a:p>
         </p:txBody>
@@ -2130,8 +2501,8 @@
           <a:bodyPr/>
           <a:lstStyle/>
           <a:p>
-            <a:fld id="{48A87A34-81AB-432B-8DAE-1953F412C126}" type="datetimeFigureOut">
-              <a:rPr lang="en-US" dirty="0"/>
+            <a:fld id="{486D9194-18B5-448F-9498-578C5DB8B1D4}" type="datetime1">
+              <a:rPr lang="en-US" smtClean="0"/>
               <a:t>1/31/2021</a:t>
             </a:fld>
             <a:endParaRPr lang="en-US" dirty="0"/>
@@ -2153,6 +2524,10 @@
           <a:bodyPr/>
           <a:lstStyle/>
           <a:p>
+            <a:r>
+              <a:rPr lang="en-US"/>
+              <a:t>zlaval</a:t>
+            </a:r>
             <a:endParaRPr lang="en-US" dirty="0"/>
           </a:p>
         </p:txBody>
@@ -2899,8 +3274,8 @@
           <a:bodyPr/>
           <a:lstStyle/>
           <a:p>
-            <a:fld id="{48A87A34-81AB-432B-8DAE-1953F412C126}" type="datetimeFigureOut">
-              <a:rPr lang="en-US" dirty="0"/>
+            <a:fld id="{B46F82F1-A273-4909-8F43-65EEADED5A2A}" type="datetime1">
+              <a:rPr lang="en-US" smtClean="0"/>
               <a:t>1/31/2021</a:t>
             </a:fld>
             <a:endParaRPr lang="en-US" dirty="0"/>
@@ -2922,6 +3297,10 @@
           <a:bodyPr/>
           <a:lstStyle/>
           <a:p>
+            <a:r>
+              <a:rPr lang="en-US"/>
+              <a:t>zlaval</a:t>
+            </a:r>
             <a:endParaRPr lang="en-US" dirty="0"/>
           </a:p>
         </p:txBody>
@@ -3069,8 +3448,8 @@
           <a:bodyPr/>
           <a:lstStyle/>
           <a:p>
-            <a:fld id="{48A87A34-81AB-432B-8DAE-1953F412C126}" type="datetimeFigureOut">
-              <a:rPr lang="en-US" dirty="0"/>
+            <a:fld id="{819B858C-49BC-41BF-B919-F485160B7282}" type="datetime1">
+              <a:rPr lang="en-US" smtClean="0"/>
               <a:t>1/31/2021</a:t>
             </a:fld>
             <a:endParaRPr lang="en-US" dirty="0"/>
@@ -3092,6 +3471,10 @@
           <a:bodyPr/>
           <a:lstStyle/>
           <a:p>
+            <a:r>
+              <a:rPr lang="en-US"/>
+              <a:t>zlaval</a:t>
+            </a:r>
             <a:endParaRPr lang="en-US" dirty="0"/>
           </a:p>
         </p:txBody>
@@ -3287,9 +3670,8 @@
             </a:lvl1pPr>
           </a:lstStyle>
           <a:p>
-            <a:fld id="{48A87A34-81AB-432B-8DAE-1953F412C126}" type="datetimeFigureOut">
-              <a:rPr lang="en-US" dirty="0"/>
-              <a:pPr/>
+            <a:fld id="{741E18DB-5771-45C8-BA65-868C60F588D4}" type="datetime1">
+              <a:rPr lang="en-US" smtClean="0"/>
               <a:t>1/31/2021</a:t>
             </a:fld>
             <a:endParaRPr lang="en-US" dirty="0"/>
@@ -3316,6 +3698,10 @@
           <a:bodyPr/>
           <a:lstStyle/>
           <a:p>
+            <a:r>
+              <a:rPr lang="en-US"/>
+              <a:t>zlaval</a:t>
+            </a:r>
             <a:endParaRPr lang="en-US" dirty="0"/>
           </a:p>
         </p:txBody>
@@ -3463,8 +3849,8 @@
           <a:bodyPr/>
           <a:lstStyle/>
           <a:p>
-            <a:fld id="{48A87A34-81AB-432B-8DAE-1953F412C126}" type="datetimeFigureOut">
-              <a:rPr lang="en-US" dirty="0"/>
+            <a:fld id="{60472E37-A087-4F91-92C8-9F7E347C5F00}" type="datetime1">
+              <a:rPr lang="en-US" smtClean="0"/>
               <a:t>1/31/2021</a:t>
             </a:fld>
             <a:endParaRPr lang="en-US" dirty="0"/>
@@ -3486,6 +3872,10 @@
           <a:bodyPr/>
           <a:lstStyle/>
           <a:p>
+            <a:r>
+              <a:rPr lang="en-US"/>
+              <a:t>zlaval</a:t>
+            </a:r>
             <a:endParaRPr lang="en-US" dirty="0"/>
           </a:p>
         </p:txBody>
@@ -3747,9 +4137,8 @@
             </a:lvl1pPr>
           </a:lstStyle>
           <a:p>
-            <a:fld id="{48A87A34-81AB-432B-8DAE-1953F412C126}" type="datetimeFigureOut">
-              <a:rPr lang="en-US" dirty="0"/>
-              <a:pPr/>
+            <a:fld id="{A9581983-55AF-4583-9DA6-F7B845302A06}" type="datetime1">
+              <a:rPr lang="en-US" smtClean="0"/>
               <a:t>1/31/2021</a:t>
             </a:fld>
             <a:endParaRPr lang="en-US" dirty="0"/>
@@ -3776,6 +4165,10 @@
           <a:bodyPr/>
           <a:lstStyle/>
           <a:p>
+            <a:r>
+              <a:rPr lang="en-US"/>
+              <a:t>zlaval</a:t>
+            </a:r>
             <a:endParaRPr lang="en-US" dirty="0"/>
           </a:p>
         </p:txBody>
@@ -3985,8 +4378,8 @@
           <a:bodyPr/>
           <a:lstStyle/>
           <a:p>
-            <a:fld id="{48A87A34-81AB-432B-8DAE-1953F412C126}" type="datetimeFigureOut">
-              <a:rPr lang="en-US" dirty="0"/>
+            <a:fld id="{1EBC4C31-B610-49BA-8274-1A32D9EC7CAC}" type="datetime1">
+              <a:rPr lang="en-US" smtClean="0"/>
               <a:t>1/31/2021</a:t>
             </a:fld>
             <a:endParaRPr lang="en-US" dirty="0"/>
@@ -4008,6 +4401,10 @@
           <a:bodyPr/>
           <a:lstStyle/>
           <a:p>
+            <a:r>
+              <a:rPr lang="en-US"/>
+              <a:t>zlaval</a:t>
+            </a:r>
             <a:endParaRPr lang="en-US" dirty="0"/>
           </a:p>
         </p:txBody>
@@ -4359,8 +4756,8 @@
           <a:bodyPr/>
           <a:lstStyle/>
           <a:p>
-            <a:fld id="{48A87A34-81AB-432B-8DAE-1953F412C126}" type="datetimeFigureOut">
-              <a:rPr lang="en-US" dirty="0"/>
+            <a:fld id="{6D660BD1-7954-4291-8820-322157BC24D3}" type="datetime1">
+              <a:rPr lang="en-US" smtClean="0"/>
               <a:t>1/31/2021</a:t>
             </a:fld>
             <a:endParaRPr lang="en-US" dirty="0"/>
@@ -4382,6 +4779,10 @@
           <a:bodyPr/>
           <a:lstStyle/>
           <a:p>
+            <a:r>
+              <a:rPr lang="en-US"/>
+              <a:t>zlaval</a:t>
+            </a:r>
             <a:endParaRPr lang="en-US" dirty="0"/>
           </a:p>
         </p:txBody>
@@ -4472,8 +4873,8 @@
           <a:bodyPr/>
           <a:lstStyle/>
           <a:p>
-            <a:fld id="{48A87A34-81AB-432B-8DAE-1953F412C126}" type="datetimeFigureOut">
-              <a:rPr lang="en-US" dirty="0"/>
+            <a:fld id="{1505FE7F-19E0-428A-9145-89982497D3E9}" type="datetime1">
+              <a:rPr lang="en-US" smtClean="0"/>
               <a:t>1/31/2021</a:t>
             </a:fld>
             <a:endParaRPr lang="en-US" dirty="0"/>
@@ -4495,6 +4896,10 @@
           <a:bodyPr/>
           <a:lstStyle/>
           <a:p>
+            <a:r>
+              <a:rPr lang="en-US"/>
+              <a:t>zlaval</a:t>
+            </a:r>
             <a:endParaRPr lang="en-US" dirty="0"/>
           </a:p>
         </p:txBody>
@@ -4562,8 +4967,8 @@
           <a:bodyPr/>
           <a:lstStyle/>
           <a:p>
-            <a:fld id="{48A87A34-81AB-432B-8DAE-1953F412C126}" type="datetimeFigureOut">
-              <a:rPr lang="en-US" dirty="0"/>
+            <a:fld id="{580CCBA3-2CD2-448C-A044-E2C85E48F54C}" type="datetime1">
+              <a:rPr lang="en-US" smtClean="0"/>
               <a:t>1/31/2021</a:t>
             </a:fld>
             <a:endParaRPr lang="en-US" dirty="0"/>
@@ -4585,6 +4990,10 @@
           <a:bodyPr/>
           <a:lstStyle/>
           <a:p>
+            <a:r>
+              <a:rPr lang="en-US"/>
+              <a:t>zlaval</a:t>
+            </a:r>
             <a:endParaRPr lang="en-US" dirty="0"/>
           </a:p>
         </p:txBody>
@@ -4806,8 +5215,8 @@
           <a:bodyPr/>
           <a:lstStyle/>
           <a:p>
-            <a:fld id="{48A87A34-81AB-432B-8DAE-1953F412C126}" type="datetimeFigureOut">
-              <a:rPr lang="en-US" dirty="0"/>
+            <a:fld id="{105B224F-2434-4779-AAA3-BB0B543FA70F}" type="datetime1">
+              <a:rPr lang="en-US" smtClean="0"/>
               <a:t>1/31/2021</a:t>
             </a:fld>
             <a:endParaRPr lang="en-US" dirty="0"/>
@@ -4829,6 +5238,10 @@
           <a:bodyPr/>
           <a:lstStyle/>
           <a:p>
+            <a:r>
+              <a:rPr lang="en-US"/>
+              <a:t>zlaval</a:t>
+            </a:r>
             <a:endParaRPr lang="en-US" dirty="0"/>
           </a:p>
         </p:txBody>
@@ -5058,8 +5471,8 @@
           <a:bodyPr/>
           <a:lstStyle/>
           <a:p>
-            <a:fld id="{48A87A34-81AB-432B-8DAE-1953F412C126}" type="datetimeFigureOut">
-              <a:rPr lang="en-US" dirty="0"/>
+            <a:fld id="{E75B880F-A62A-4CB9-BFAE-6A7450CD074C}" type="datetime1">
+              <a:rPr lang="en-US" smtClean="0"/>
               <a:t>1/31/2021</a:t>
             </a:fld>
             <a:endParaRPr lang="en-US" dirty="0"/>
@@ -5081,6 +5494,10 @@
           <a:bodyPr/>
           <a:lstStyle/>
           <a:p>
+            <a:r>
+              <a:rPr lang="en-US"/>
+              <a:t>zlaval</a:t>
+            </a:r>
             <a:endParaRPr lang="en-US" dirty="0"/>
           </a:p>
         </p:txBody>
@@ -5296,9 +5713,8 @@
             </a:lvl1pPr>
           </a:lstStyle>
           <a:p>
-            <a:fld id="{48A87A34-81AB-432B-8DAE-1953F412C126}" type="datetimeFigureOut">
-              <a:rPr lang="en-US" dirty="0"/>
-              <a:pPr/>
+            <a:fld id="{331D8895-4D79-473C-9E12-7C69293120B0}" type="datetime1">
+              <a:rPr lang="en-US" smtClean="0"/>
               <a:t>1/31/2021</a:t>
             </a:fld>
             <a:endParaRPr lang="en-US" dirty="0"/>
@@ -5338,6 +5754,10 @@
             </a:lvl1pPr>
           </a:lstStyle>
           <a:p>
+            <a:r>
+              <a:rPr lang="en-US"/>
+              <a:t>zlaval</a:t>
+            </a:r>
             <a:endParaRPr lang="en-US" dirty="0"/>
           </a:p>
         </p:txBody>
@@ -5406,6 +5826,7 @@
     <p:sldLayoutId id="2147483658" r:id="rId16"/>
     <p:sldLayoutId id="2147483659" r:id="rId17"/>
   </p:sldLayoutIdLst>
+  <p:hf sldNum="0" hdr="0" dt="0"/>
   <p:txStyles>
     <p:titleStyle>
       <a:lvl1pPr algn="r" defTabSz="914400" rtl="0" eaLnBrk="1" latinLnBrk="0" hangingPunct="1">
@@ -5755,6 +6176,35 @@
           </a:p>
         </p:txBody>
       </p:sp>
+      <p:sp>
+        <p:nvSpPr>
+          <p:cNvPr id="3" name="Footer Placeholder 2">
+            <a:extLst>
+              <a:ext uri="{FF2B5EF4-FFF2-40B4-BE49-F238E27FC236}">
+                <a16:creationId xmlns:a16="http://schemas.microsoft.com/office/drawing/2014/main" id="{F7D918B8-2695-4640-BE48-DB01F9A1ADF3}"/>
+              </a:ext>
+            </a:extLst>
+          </p:cNvPr>
+          <p:cNvSpPr>
+            <a:spLocks noGrp="1"/>
+          </p:cNvSpPr>
+          <p:nvPr>
+            <p:ph type="ftr" sz="quarter" idx="11"/>
+          </p:nvPr>
+        </p:nvSpPr>
+        <p:spPr/>
+        <p:txBody>
+          <a:bodyPr/>
+          <a:lstStyle/>
+          <a:p>
+            <a:r>
+              <a:rPr lang="en-US"/>
+              <a:t>zlaval</a:t>
+            </a:r>
+            <a:endParaRPr lang="en-US" dirty="0"/>
+          </a:p>
+        </p:txBody>
+      </p:sp>
     </p:spTree>
     <p:extLst>
       <p:ext uri="{BB962C8B-B14F-4D97-AF65-F5344CB8AC3E}">
@@ -5803,7 +6253,7 @@
         </p:nvSpPr>
         <p:spPr>
           <a:xfrm>
-            <a:off x="7058024" y="496440"/>
+            <a:off x="3673474" y="1363215"/>
             <a:ext cx="3581401" cy="771526"/>
           </a:xfrm>
         </p:spPr>
@@ -5841,12 +6291,66 @@
             <p:ph idx="1"/>
           </p:nvPr>
         </p:nvSpPr>
-        <p:spPr/>
+        <p:spPr>
+          <a:xfrm>
+            <a:off x="2663826" y="3187701"/>
+            <a:ext cx="7191374" cy="1212850"/>
+          </a:xfrm>
+        </p:spPr>
+        <p:txBody>
+          <a:bodyPr>
+            <a:noAutofit/>
+          </a:bodyPr>
+          <a:lstStyle/>
+          <a:p>
+            <a:pPr marL="0" indent="0" algn="ctr">
+              <a:buNone/>
+            </a:pPr>
+            <a:r>
+              <a:rPr lang="hu-HU" sz="5400" dirty="0"/>
+              <a:t>Elérhető </a:t>
+            </a:r>
+            <a:r>
+              <a:rPr lang="hu-HU" sz="5400" dirty="0">
+                <a:hlinkClick r:id="rId2"/>
+              </a:rPr>
+              <a:t>GitHubon</a:t>
+            </a:r>
+            <a:endParaRPr lang="hu-HU" sz="5400" dirty="0"/>
+          </a:p>
+        </p:txBody>
+      </p:sp>
+      <p:sp>
+        <p:nvSpPr>
+          <p:cNvPr id="5" name="Footer Placeholder 3">
+            <a:extLst>
+              <a:ext uri="{FF2B5EF4-FFF2-40B4-BE49-F238E27FC236}">
+                <a16:creationId xmlns:a16="http://schemas.microsoft.com/office/drawing/2014/main" id="{6E9049BF-8955-499C-B84C-9A8871624D3B}"/>
+              </a:ext>
+            </a:extLst>
+          </p:cNvPr>
+          <p:cNvSpPr>
+            <a:spLocks noGrp="1"/>
+          </p:cNvSpPr>
+          <p:nvPr>
+            <p:ph type="ftr" sz="quarter" idx="11"/>
+          </p:nvPr>
+        </p:nvSpPr>
+        <p:spPr>
+          <a:xfrm>
+            <a:off x="11506200" y="6412994"/>
+            <a:ext cx="812800" cy="365125"/>
+          </a:xfrm>
+        </p:spPr>
         <p:txBody>
           <a:bodyPr/>
           <a:lstStyle/>
           <a:p>
-            <a:endParaRPr lang="hu-HU"/>
+            <a:r>
+              <a:rPr lang="en-US" dirty="0" err="1"/>
+              <a:t>zlaval</a:t>
+            </a:r>
+            <a:endParaRPr lang="en-US" dirty="0"/>
           </a:p>
         </p:txBody>
       </p:sp>
@@ -5854,6 +6358,174 @@
     <p:extLst>
       <p:ext uri="{BB962C8B-B14F-4D97-AF65-F5344CB8AC3E}">
         <p14:creationId xmlns:p14="http://schemas.microsoft.com/office/powerpoint/2010/main" val="2063707044"/>
+      </p:ext>
+    </p:extLst>
+  </p:cSld>
+  <p:clrMapOvr>
+    <a:masterClrMapping/>
+  </p:clrMapOvr>
+</p:sld>
+</file>
+
+<file path=ppt/slides/slide11.xml><?xml version="1.0" encoding="utf-8"?>
+<p:sld xmlns:a="http://schemas.openxmlformats.org/drawingml/2006/main" xmlns:r="http://schemas.openxmlformats.org/officeDocument/2006/relationships" xmlns:p="http://schemas.openxmlformats.org/presentationml/2006/main">
+  <p:cSld>
+    <p:spTree>
+      <p:nvGrpSpPr>
+        <p:cNvPr id="1" name=""/>
+        <p:cNvGrpSpPr/>
+        <p:nvPr/>
+      </p:nvGrpSpPr>
+      <p:grpSpPr>
+        <a:xfrm>
+          <a:off x="0" y="0"/>
+          <a:ext cx="0" cy="0"/>
+          <a:chOff x="0" y="0"/>
+          <a:chExt cx="0" cy="0"/>
+        </a:xfrm>
+      </p:grpSpPr>
+      <p:sp>
+        <p:nvSpPr>
+          <p:cNvPr id="2" name="Cím 1">
+            <a:extLst>
+              <a:ext uri="{FF2B5EF4-FFF2-40B4-BE49-F238E27FC236}">
+                <a16:creationId xmlns:a16="http://schemas.microsoft.com/office/drawing/2014/main" id="{DF0814FC-585C-45E8-8EA0-A46DCFE9671C}"/>
+              </a:ext>
+            </a:extLst>
+          </p:cNvPr>
+          <p:cNvSpPr>
+            <a:spLocks noGrp="1"/>
+          </p:cNvSpPr>
+          <p:nvPr>
+            <p:ph type="title"/>
+          </p:nvPr>
+        </p:nvSpPr>
+        <p:spPr>
+          <a:xfrm>
+            <a:off x="3927474" y="734565"/>
+            <a:ext cx="7235826" cy="771526"/>
+          </a:xfrm>
+        </p:spPr>
+        <p:txBody>
+          <a:bodyPr>
+            <a:normAutofit/>
+          </a:bodyPr>
+          <a:lstStyle/>
+          <a:p>
+            <a:r>
+              <a:rPr lang="hu-HU" b="1" dirty="0">
+                <a:solidFill>
+                  <a:schemeClr val="accent3"/>
+                </a:solidFill>
+              </a:rPr>
+              <a:t>Köszönöm a Figyelmet</a:t>
+            </a:r>
+            <a:endParaRPr lang="hu-HU" dirty="0"/>
+          </a:p>
+        </p:txBody>
+      </p:sp>
+      <p:sp>
+        <p:nvSpPr>
+          <p:cNvPr id="5" name="Footer Placeholder 3">
+            <a:extLst>
+              <a:ext uri="{FF2B5EF4-FFF2-40B4-BE49-F238E27FC236}">
+                <a16:creationId xmlns:a16="http://schemas.microsoft.com/office/drawing/2014/main" id="{6E9049BF-8955-499C-B84C-9A8871624D3B}"/>
+              </a:ext>
+            </a:extLst>
+          </p:cNvPr>
+          <p:cNvSpPr>
+            <a:spLocks noGrp="1"/>
+          </p:cNvSpPr>
+          <p:nvPr>
+            <p:ph type="ftr" sz="quarter" idx="11"/>
+          </p:nvPr>
+        </p:nvSpPr>
+        <p:spPr>
+          <a:xfrm>
+            <a:off x="11506200" y="6412994"/>
+            <a:ext cx="812800" cy="365125"/>
+          </a:xfrm>
+        </p:spPr>
+        <p:txBody>
+          <a:bodyPr/>
+          <a:lstStyle/>
+          <a:p>
+            <a:r>
+              <a:rPr lang="en-US" dirty="0" err="1"/>
+              <a:t>zlaval</a:t>
+            </a:r>
+            <a:endParaRPr lang="en-US" dirty="0"/>
+          </a:p>
+        </p:txBody>
+      </p:sp>
+      <p:pic>
+        <p:nvPicPr>
+          <p:cNvPr id="8" name="Content Placeholder 7">
+            <a:extLst>
+              <a:ext uri="{FF2B5EF4-FFF2-40B4-BE49-F238E27FC236}">
+                <a16:creationId xmlns:a16="http://schemas.microsoft.com/office/drawing/2014/main" id="{2CB64054-C3DD-4DCE-9869-607E5C2654B1}"/>
+              </a:ext>
+            </a:extLst>
+          </p:cNvPr>
+          <p:cNvPicPr>
+            <a:picLocks noGrp="1" noChangeAspect="1"/>
+          </p:cNvPicPr>
+          <p:nvPr>
+            <p:ph idx="1"/>
+          </p:nvPr>
+        </p:nvPicPr>
+        <p:blipFill>
+          <a:blip r:embed="rId2"/>
+          <a:stretch>
+            <a:fillRect/>
+          </a:stretch>
+        </p:blipFill>
+        <p:spPr>
+          <a:xfrm>
+            <a:off x="1403730" y="1506091"/>
+            <a:ext cx="3314319" cy="4932023"/>
+          </a:xfrm>
+        </p:spPr>
+      </p:pic>
+      <p:sp>
+        <p:nvSpPr>
+          <p:cNvPr id="9" name="TextBox 8">
+            <a:extLst>
+              <a:ext uri="{FF2B5EF4-FFF2-40B4-BE49-F238E27FC236}">
+                <a16:creationId xmlns:a16="http://schemas.microsoft.com/office/drawing/2014/main" id="{D08A2757-F1A1-4A81-8446-9ACC7456D40D}"/>
+              </a:ext>
+            </a:extLst>
+          </p:cNvPr>
+          <p:cNvSpPr txBox="1"/>
+          <p:nvPr/>
+        </p:nvSpPr>
+        <p:spPr>
+          <a:xfrm>
+            <a:off x="5422900" y="3325771"/>
+            <a:ext cx="6489700" cy="646331"/>
+          </a:xfrm>
+          <a:prstGeom prst="rect">
+            <a:avLst/>
+          </a:prstGeom>
+          <a:noFill/>
+        </p:spPr>
+        <p:txBody>
+          <a:bodyPr wrap="square" rtlCol="0">
+            <a:spAutoFit/>
+          </a:bodyPr>
+          <a:lstStyle/>
+          <a:p>
+            <a:r>
+              <a:rPr lang="hu-HU" sz="3600" dirty="0"/>
+              <a:t>Sikeres mutáns vadászatot</a:t>
+            </a:r>
+          </a:p>
+        </p:txBody>
+      </p:sp>
+    </p:spTree>
+    <p:extLst>
+      <p:ext uri="{BB962C8B-B14F-4D97-AF65-F5344CB8AC3E}">
+        <p14:creationId xmlns:p14="http://schemas.microsoft.com/office/powerpoint/2010/main" val="287601667"/>
       </p:ext>
     </p:extLst>
   </p:cSld>
@@ -6096,6 +6768,70 @@
           </a:p>
         </p:txBody>
       </p:sp>
+      <p:sp>
+        <p:nvSpPr>
+          <p:cNvPr id="4" name="Footer Placeholder 3">
+            <a:extLst>
+              <a:ext uri="{FF2B5EF4-FFF2-40B4-BE49-F238E27FC236}">
+                <a16:creationId xmlns:a16="http://schemas.microsoft.com/office/drawing/2014/main" id="{77DA1CAF-5B20-4C4D-A6B0-0123E50C473D}"/>
+              </a:ext>
+            </a:extLst>
+          </p:cNvPr>
+          <p:cNvSpPr>
+            <a:spLocks noGrp="1"/>
+          </p:cNvSpPr>
+          <p:nvPr>
+            <p:ph type="ftr" sz="quarter" idx="11"/>
+          </p:nvPr>
+        </p:nvSpPr>
+        <p:spPr>
+          <a:xfrm>
+            <a:off x="11506200" y="6412994"/>
+            <a:ext cx="812800" cy="365125"/>
+          </a:xfrm>
+        </p:spPr>
+        <p:txBody>
+          <a:bodyPr/>
+          <a:lstStyle/>
+          <a:p>
+            <a:r>
+              <a:rPr lang="en-US" dirty="0" err="1"/>
+              <a:t>zlaval</a:t>
+            </a:r>
+            <a:endParaRPr lang="en-US" dirty="0"/>
+          </a:p>
+        </p:txBody>
+      </p:sp>
+      <p:pic>
+        <p:nvPicPr>
+          <p:cNvPr id="6" name="Picture 5">
+            <a:extLst>
+              <a:ext uri="{FF2B5EF4-FFF2-40B4-BE49-F238E27FC236}">
+                <a16:creationId xmlns:a16="http://schemas.microsoft.com/office/drawing/2014/main" id="{75C75B99-408D-4FF2-9DBE-82DC0B36FD01}"/>
+              </a:ext>
+            </a:extLst>
+          </p:cNvPr>
+          <p:cNvPicPr>
+            <a:picLocks noChangeAspect="1"/>
+          </p:cNvPicPr>
+          <p:nvPr/>
+        </p:nvPicPr>
+        <p:blipFill>
+          <a:blip r:embed="rId2"/>
+          <a:stretch>
+            <a:fillRect/>
+          </a:stretch>
+        </p:blipFill>
+        <p:spPr>
+          <a:xfrm>
+            <a:off x="7808410" y="2978150"/>
+            <a:ext cx="3031039" cy="1985962"/>
+          </a:xfrm>
+          <a:prstGeom prst="rect">
+            <a:avLst/>
+          </a:prstGeom>
+        </p:spPr>
+      </p:pic>
     </p:spTree>
     <p:extLst>
       <p:ext uri="{BB962C8B-B14F-4D97-AF65-F5344CB8AC3E}">
@@ -6287,6 +7023,40 @@
           </a:prstGeom>
         </p:spPr>
       </p:pic>
+      <p:sp>
+        <p:nvSpPr>
+          <p:cNvPr id="7" name="Footer Placeholder 3">
+            <a:extLst>
+              <a:ext uri="{FF2B5EF4-FFF2-40B4-BE49-F238E27FC236}">
+                <a16:creationId xmlns:a16="http://schemas.microsoft.com/office/drawing/2014/main" id="{7FBFF377-4D35-4711-BC4E-E3DA85082158}"/>
+              </a:ext>
+            </a:extLst>
+          </p:cNvPr>
+          <p:cNvSpPr>
+            <a:spLocks noGrp="1"/>
+          </p:cNvSpPr>
+          <p:nvPr>
+            <p:ph type="ftr" sz="quarter" idx="11"/>
+          </p:nvPr>
+        </p:nvSpPr>
+        <p:spPr>
+          <a:xfrm>
+            <a:off x="11506200" y="6412994"/>
+            <a:ext cx="812800" cy="365125"/>
+          </a:xfrm>
+        </p:spPr>
+        <p:txBody>
+          <a:bodyPr/>
+          <a:lstStyle/>
+          <a:p>
+            <a:r>
+              <a:rPr lang="en-US" dirty="0" err="1"/>
+              <a:t>zlaval</a:t>
+            </a:r>
+            <a:endParaRPr lang="en-US" dirty="0"/>
+          </a:p>
+        </p:txBody>
+      </p:sp>
     </p:spTree>
     <p:extLst>
       <p:ext uri="{BB962C8B-B14F-4D97-AF65-F5344CB8AC3E}">
@@ -6580,6 +7350,40 @@
           </a:p>
         </p:txBody>
       </p:sp>
+      <p:sp>
+        <p:nvSpPr>
+          <p:cNvPr id="5" name="Footer Placeholder 3">
+            <a:extLst>
+              <a:ext uri="{FF2B5EF4-FFF2-40B4-BE49-F238E27FC236}">
+                <a16:creationId xmlns:a16="http://schemas.microsoft.com/office/drawing/2014/main" id="{4E32D446-B846-4066-9732-BEF9EB1AA7A6}"/>
+              </a:ext>
+            </a:extLst>
+          </p:cNvPr>
+          <p:cNvSpPr>
+            <a:spLocks noGrp="1"/>
+          </p:cNvSpPr>
+          <p:nvPr>
+            <p:ph type="ftr" sz="quarter" idx="11"/>
+          </p:nvPr>
+        </p:nvSpPr>
+        <p:spPr>
+          <a:xfrm>
+            <a:off x="11645900" y="6492875"/>
+            <a:ext cx="812800" cy="365125"/>
+          </a:xfrm>
+        </p:spPr>
+        <p:txBody>
+          <a:bodyPr/>
+          <a:lstStyle/>
+          <a:p>
+            <a:r>
+              <a:rPr lang="en-US" dirty="0" err="1"/>
+              <a:t>zlaval</a:t>
+            </a:r>
+            <a:endParaRPr lang="en-US" dirty="0"/>
+          </a:p>
+        </p:txBody>
+      </p:sp>
     </p:spTree>
     <p:extLst>
       <p:ext uri="{BB962C8B-B14F-4D97-AF65-F5344CB8AC3E}">
@@ -6665,8 +7469,8 @@
         </p:nvSpPr>
         <p:spPr>
           <a:xfrm>
-            <a:off x="685799" y="2209800"/>
-            <a:ext cx="11020425" cy="4486274"/>
+            <a:off x="685799" y="2743200"/>
+            <a:ext cx="11020425" cy="3952874"/>
           </a:xfrm>
         </p:spPr>
         <p:txBody>
@@ -6714,6 +7518,40 @@
           </a:p>
           <a:p>
             <a:endParaRPr lang="hu-HU" sz="2400" dirty="0"/>
+          </a:p>
+        </p:txBody>
+      </p:sp>
+      <p:sp>
+        <p:nvSpPr>
+          <p:cNvPr id="5" name="Footer Placeholder 3">
+            <a:extLst>
+              <a:ext uri="{FF2B5EF4-FFF2-40B4-BE49-F238E27FC236}">
+                <a16:creationId xmlns:a16="http://schemas.microsoft.com/office/drawing/2014/main" id="{394B4BC9-35FE-4094-AC3C-47088F48ABA1}"/>
+              </a:ext>
+            </a:extLst>
+          </p:cNvPr>
+          <p:cNvSpPr>
+            <a:spLocks noGrp="1"/>
+          </p:cNvSpPr>
+          <p:nvPr>
+            <p:ph type="ftr" sz="quarter" idx="11"/>
+          </p:nvPr>
+        </p:nvSpPr>
+        <p:spPr>
+          <a:xfrm>
+            <a:off x="11506200" y="6412994"/>
+            <a:ext cx="812800" cy="365125"/>
+          </a:xfrm>
+        </p:spPr>
+        <p:txBody>
+          <a:bodyPr/>
+          <a:lstStyle/>
+          <a:p>
+            <a:r>
+              <a:rPr lang="en-US" dirty="0" err="1"/>
+              <a:t>zlaval</a:t>
+            </a:r>
+            <a:endParaRPr lang="en-US" dirty="0"/>
           </a:p>
         </p:txBody>
       </p:sp>
@@ -7181,6 +8019,40 @@
           </a:p>
         </p:txBody>
       </p:sp>
+      <p:sp>
+        <p:nvSpPr>
+          <p:cNvPr id="11" name="Footer Placeholder 3">
+            <a:extLst>
+              <a:ext uri="{FF2B5EF4-FFF2-40B4-BE49-F238E27FC236}">
+                <a16:creationId xmlns:a16="http://schemas.microsoft.com/office/drawing/2014/main" id="{4D2F5628-62B2-4002-8519-6C7727300768}"/>
+              </a:ext>
+            </a:extLst>
+          </p:cNvPr>
+          <p:cNvSpPr>
+            <a:spLocks noGrp="1"/>
+          </p:cNvSpPr>
+          <p:nvPr>
+            <p:ph type="ftr" sz="quarter" idx="11"/>
+          </p:nvPr>
+        </p:nvSpPr>
+        <p:spPr>
+          <a:xfrm>
+            <a:off x="11506200" y="6412994"/>
+            <a:ext cx="812800" cy="365125"/>
+          </a:xfrm>
+        </p:spPr>
+        <p:txBody>
+          <a:bodyPr/>
+          <a:lstStyle/>
+          <a:p>
+            <a:r>
+              <a:rPr lang="en-US" dirty="0" err="1"/>
+              <a:t>zlaval</a:t>
+            </a:r>
+            <a:endParaRPr lang="en-US" dirty="0"/>
+          </a:p>
+        </p:txBody>
+      </p:sp>
     </p:spTree>
     <p:extLst>
       <p:ext uri="{BB962C8B-B14F-4D97-AF65-F5344CB8AC3E}">
@@ -7211,6 +8083,39 @@
           <a:chExt cx="0" cy="0"/>
         </a:xfrm>
       </p:grpSpPr>
+      <p:pic>
+        <p:nvPicPr>
+          <p:cNvPr id="7" name="Picture 6">
+            <a:extLst>
+              <a:ext uri="{FF2B5EF4-FFF2-40B4-BE49-F238E27FC236}">
+                <a16:creationId xmlns:a16="http://schemas.microsoft.com/office/drawing/2014/main" id="{8DF0D1EE-467F-47D1-B669-68F45DFF0018}"/>
+              </a:ext>
+            </a:extLst>
+          </p:cNvPr>
+          <p:cNvPicPr>
+            <a:picLocks noChangeAspect="1"/>
+          </p:cNvPicPr>
+          <p:nvPr/>
+        </p:nvPicPr>
+        <p:blipFill>
+          <a:blip r:embed="rId2"/>
+          <a:stretch>
+            <a:fillRect/>
+          </a:stretch>
+        </p:blipFill>
+        <p:spPr>
+          <a:xfrm>
+            <a:off x="7276477" y="2453338"/>
+            <a:ext cx="4624466" cy="2601262"/>
+          </a:xfrm>
+          <a:prstGeom prst="rect">
+            <a:avLst/>
+          </a:prstGeom>
+          <a:ln>
+            <a:noFill/>
+          </a:ln>
+        </p:spPr>
+      </p:pic>
       <p:sp>
         <p:nvSpPr>
           <p:cNvPr id="2" name="Cím 1">
@@ -7281,28 +8186,9 @@
             </a:r>
           </a:p>
           <a:p>
-            <a:endParaRPr lang="hu-HU" dirty="0"/>
-          </a:p>
-          <a:p>
-            <a:r>
-              <a:rPr lang="hu-HU" dirty="0"/>
-              <a:t>Integrált a legtöbb teszt rendszerrel és </a:t>
-            </a:r>
-            <a:r>
-              <a:rPr lang="hu-HU" dirty="0" err="1"/>
-              <a:t>build</a:t>
-            </a:r>
-            <a:r>
-              <a:rPr lang="hu-HU" dirty="0"/>
-              <a:t> </a:t>
-            </a:r>
-            <a:r>
-              <a:rPr lang="hu-HU" dirty="0" err="1"/>
-              <a:t>tool-lal</a:t>
-            </a:r>
-            <a:endParaRPr lang="hu-HU" dirty="0"/>
-          </a:p>
-          <a:p>
+            <a:pPr marL="0" indent="0">
+              <a:buNone/>
+            </a:pPr>
             <a:endParaRPr lang="hu-HU" dirty="0"/>
           </a:p>
           <a:p>
@@ -7319,6 +8205,52 @@
               <a:rPr lang="hu-HU" dirty="0"/>
               <a:t>Gyors kód analízis és futás</a:t>
             </a:r>
+          </a:p>
+          <a:p>
+            <a:endParaRPr lang="hu-HU" dirty="0"/>
+          </a:p>
+          <a:p>
+            <a:r>
+              <a:rPr lang="hu-HU" dirty="0"/>
+              <a:t>Integrált a legtöbb teszt rendszerrel és build tool-lal</a:t>
+            </a:r>
+          </a:p>
+          <a:p>
+            <a:endParaRPr lang="hu-HU" dirty="0"/>
+          </a:p>
+        </p:txBody>
+      </p:sp>
+      <p:sp>
+        <p:nvSpPr>
+          <p:cNvPr id="5" name="Footer Placeholder 3">
+            <a:extLst>
+              <a:ext uri="{FF2B5EF4-FFF2-40B4-BE49-F238E27FC236}">
+                <a16:creationId xmlns:a16="http://schemas.microsoft.com/office/drawing/2014/main" id="{C25C70B9-9D5D-4C6D-9CAD-E9E15FAC4CC0}"/>
+              </a:ext>
+            </a:extLst>
+          </p:cNvPr>
+          <p:cNvSpPr>
+            <a:spLocks noGrp="1"/>
+          </p:cNvSpPr>
+          <p:nvPr>
+            <p:ph type="ftr" sz="quarter" idx="11"/>
+          </p:nvPr>
+        </p:nvSpPr>
+        <p:spPr>
+          <a:xfrm>
+            <a:off x="11506200" y="6412994"/>
+            <a:ext cx="812800" cy="365125"/>
+          </a:xfrm>
+        </p:spPr>
+        <p:txBody>
+          <a:bodyPr/>
+          <a:lstStyle/>
+          <a:p>
+            <a:r>
+              <a:rPr lang="en-US" dirty="0" err="1"/>
+              <a:t>zlaval</a:t>
+            </a:r>
+            <a:endParaRPr lang="en-US" dirty="0"/>
           </a:p>
         </p:txBody>
       </p:sp>
@@ -7735,6 +8667,40 @@
           </a:p>
         </p:txBody>
       </p:sp>
+      <p:sp>
+        <p:nvSpPr>
+          <p:cNvPr id="6" name="Footer Placeholder 3">
+            <a:extLst>
+              <a:ext uri="{FF2B5EF4-FFF2-40B4-BE49-F238E27FC236}">
+                <a16:creationId xmlns:a16="http://schemas.microsoft.com/office/drawing/2014/main" id="{4F8E76D5-45C4-4134-9788-42E705C194B5}"/>
+              </a:ext>
+            </a:extLst>
+          </p:cNvPr>
+          <p:cNvSpPr>
+            <a:spLocks noGrp="1"/>
+          </p:cNvSpPr>
+          <p:nvPr>
+            <p:ph type="ftr" sz="quarter" idx="11"/>
+          </p:nvPr>
+        </p:nvSpPr>
+        <p:spPr>
+          <a:xfrm>
+            <a:off x="11506200" y="6412994"/>
+            <a:ext cx="812800" cy="365125"/>
+          </a:xfrm>
+        </p:spPr>
+        <p:txBody>
+          <a:bodyPr/>
+          <a:lstStyle/>
+          <a:p>
+            <a:r>
+              <a:rPr lang="en-US" dirty="0" err="1"/>
+              <a:t>zlaval</a:t>
+            </a:r>
+            <a:endParaRPr lang="en-US" dirty="0"/>
+          </a:p>
+        </p:txBody>
+      </p:sp>
     </p:spTree>
     <p:extLst>
       <p:ext uri="{BB962C8B-B14F-4D97-AF65-F5344CB8AC3E}">
@@ -7821,7 +8787,12 @@
             <p:ph idx="1"/>
           </p:nvPr>
         </p:nvSpPr>
-        <p:spPr/>
+        <p:spPr>
+          <a:xfrm>
+            <a:off x="1181100" y="2194560"/>
+            <a:ext cx="9404350" cy="4024125"/>
+          </a:xfrm>
+        </p:spPr>
         <p:txBody>
           <a:bodyPr/>
           <a:lstStyle/>
@@ -7879,6 +8850,70 @@
           </a:p>
         </p:txBody>
       </p:sp>
+      <p:sp>
+        <p:nvSpPr>
+          <p:cNvPr id="5" name="Footer Placeholder 3">
+            <a:extLst>
+              <a:ext uri="{FF2B5EF4-FFF2-40B4-BE49-F238E27FC236}">
+                <a16:creationId xmlns:a16="http://schemas.microsoft.com/office/drawing/2014/main" id="{BD065BB5-A95E-4C57-A27F-EF74CE107BE1}"/>
+              </a:ext>
+            </a:extLst>
+          </p:cNvPr>
+          <p:cNvSpPr>
+            <a:spLocks noGrp="1"/>
+          </p:cNvSpPr>
+          <p:nvPr>
+            <p:ph type="ftr" sz="quarter" idx="11"/>
+          </p:nvPr>
+        </p:nvSpPr>
+        <p:spPr>
+          <a:xfrm>
+            <a:off x="11506200" y="6412994"/>
+            <a:ext cx="812800" cy="365125"/>
+          </a:xfrm>
+        </p:spPr>
+        <p:txBody>
+          <a:bodyPr/>
+          <a:lstStyle/>
+          <a:p>
+            <a:r>
+              <a:rPr lang="en-US" dirty="0" err="1"/>
+              <a:t>zlaval</a:t>
+            </a:r>
+            <a:endParaRPr lang="en-US" dirty="0"/>
+          </a:p>
+        </p:txBody>
+      </p:sp>
+      <p:pic>
+        <p:nvPicPr>
+          <p:cNvPr id="9" name="Picture 8">
+            <a:extLst>
+              <a:ext uri="{FF2B5EF4-FFF2-40B4-BE49-F238E27FC236}">
+                <a16:creationId xmlns:a16="http://schemas.microsoft.com/office/drawing/2014/main" id="{1B36D2F8-6FF9-42C2-BBC6-C1728606AEB7}"/>
+              </a:ext>
+            </a:extLst>
+          </p:cNvPr>
+          <p:cNvPicPr>
+            <a:picLocks noChangeAspect="1"/>
+          </p:cNvPicPr>
+          <p:nvPr/>
+        </p:nvPicPr>
+        <p:blipFill>
+          <a:blip r:embed="rId3"/>
+          <a:stretch>
+            <a:fillRect/>
+          </a:stretch>
+        </p:blipFill>
+        <p:spPr>
+          <a:xfrm>
+            <a:off x="6020254" y="3257549"/>
+            <a:ext cx="2774495" cy="2568575"/>
+          </a:xfrm>
+          <a:prstGeom prst="rect">
+            <a:avLst/>
+          </a:prstGeom>
+        </p:spPr>
+      </p:pic>
     </p:spTree>
     <p:extLst>
       <p:ext uri="{BB962C8B-B14F-4D97-AF65-F5344CB8AC3E}">
@@ -8160,4 +9195,299 @@
     </a:ext>
   </a:extLst>
 </a:theme>
+</file>
+
+<file path=ppt/theme/theme2.xml><?xml version="1.0" encoding="utf-8"?>
+<a:theme xmlns:a="http://schemas.openxmlformats.org/drawingml/2006/main" name="Office Theme">
+  <a:themeElements>
+    <a:clrScheme name="Office">
+      <a:dk1>
+        <a:sysClr val="windowText" lastClr="000000"/>
+      </a:dk1>
+      <a:lt1>
+        <a:sysClr val="window" lastClr="FFFFFF"/>
+      </a:lt1>
+      <a:dk2>
+        <a:srgbClr val="44546A"/>
+      </a:dk2>
+      <a:lt2>
+        <a:srgbClr val="E7E6E6"/>
+      </a:lt2>
+      <a:accent1>
+        <a:srgbClr val="4472C4"/>
+      </a:accent1>
+      <a:accent2>
+        <a:srgbClr val="ED7D31"/>
+      </a:accent2>
+      <a:accent3>
+        <a:srgbClr val="A5A5A5"/>
+      </a:accent3>
+      <a:accent4>
+        <a:srgbClr val="FFC000"/>
+      </a:accent4>
+      <a:accent5>
+        <a:srgbClr val="5B9BD5"/>
+      </a:accent5>
+      <a:accent6>
+        <a:srgbClr val="70AD47"/>
+      </a:accent6>
+      <a:hlink>
+        <a:srgbClr val="0563C1"/>
+      </a:hlink>
+      <a:folHlink>
+        <a:srgbClr val="954F72"/>
+      </a:folHlink>
+    </a:clrScheme>
+    <a:fontScheme name="Office">
+      <a:majorFont>
+        <a:latin typeface="Calibri Light" panose="020F0302020204030204"/>
+        <a:ea typeface=""/>
+        <a:cs typeface=""/>
+        <a:font script="Jpan" typeface="游ゴシック Light"/>
+        <a:font script="Hang" typeface="맑은 고딕"/>
+        <a:font script="Hans" typeface="等线 Light"/>
+        <a:font script="Hant" typeface="新細明體"/>
+        <a:font script="Arab" typeface="Times New Roman"/>
+        <a:font script="Hebr" typeface="Times New Roman"/>
+        <a:font script="Thai" typeface="Angsana New"/>
+        <a:font script="Ethi" typeface="Nyala"/>
+        <a:font script="Beng" typeface="Vrinda"/>
+        <a:font script="Gujr" typeface="Shruti"/>
+        <a:font script="Khmr" typeface="MoolBoran"/>
+        <a:font script="Knda" typeface="Tunga"/>
+        <a:font script="Guru" typeface="Raavi"/>
+        <a:font script="Cans" typeface="Euphemia"/>
+        <a:font script="Cher" typeface="Plantagenet Cherokee"/>
+        <a:font script="Yiii" typeface="Microsoft Yi Baiti"/>
+        <a:font script="Tibt" typeface="Microsoft Himalaya"/>
+        <a:font script="Thaa" typeface="MV Boli"/>
+        <a:font script="Deva" typeface="Mangal"/>
+        <a:font script="Telu" typeface="Gautami"/>
+        <a:font script="Taml" typeface="Latha"/>
+        <a:font script="Syrc" typeface="Estrangelo Edessa"/>
+        <a:font script="Orya" typeface="Kalinga"/>
+        <a:font script="Mlym" typeface="Kartika"/>
+        <a:font script="Laoo" typeface="DokChampa"/>
+        <a:font script="Sinh" typeface="Iskoola Pota"/>
+        <a:font script="Mong" typeface="Mongolian Baiti"/>
+        <a:font script="Viet" typeface="Times New Roman"/>
+        <a:font script="Uigh" typeface="Microsoft Uighur"/>
+        <a:font script="Geor" typeface="Sylfaen"/>
+        <a:font script="Armn" typeface="Arial"/>
+        <a:font script="Bugi" typeface="Leelawadee UI"/>
+        <a:font script="Bopo" typeface="Microsoft JhengHei"/>
+        <a:font script="Java" typeface="Javanese Text"/>
+        <a:font script="Lisu" typeface="Segoe UI"/>
+        <a:font script="Mymr" typeface="Myanmar Text"/>
+        <a:font script="Nkoo" typeface="Ebrima"/>
+        <a:font script="Olck" typeface="Nirmala UI"/>
+        <a:font script="Osma" typeface="Ebrima"/>
+        <a:font script="Phag" typeface="Phagspa"/>
+        <a:font script="Syrn" typeface="Estrangelo Edessa"/>
+        <a:font script="Syrj" typeface="Estrangelo Edessa"/>
+        <a:font script="Syre" typeface="Estrangelo Edessa"/>
+        <a:font script="Sora" typeface="Nirmala UI"/>
+        <a:font script="Tale" typeface="Microsoft Tai Le"/>
+        <a:font script="Talu" typeface="Microsoft New Tai Lue"/>
+        <a:font script="Tfng" typeface="Ebrima"/>
+      </a:majorFont>
+      <a:minorFont>
+        <a:latin typeface="Calibri" panose="020F0502020204030204"/>
+        <a:ea typeface=""/>
+        <a:cs typeface=""/>
+        <a:font script="Jpan" typeface="游ゴシック"/>
+        <a:font script="Hang" typeface="맑은 고딕"/>
+        <a:font script="Hans" typeface="等线"/>
+        <a:font script="Hant" typeface="新細明體"/>
+        <a:font script="Arab" typeface="Arial"/>
+        <a:font script="Hebr" typeface="Arial"/>
+        <a:font script="Thai" typeface="Cordia New"/>
+        <a:font script="Ethi" typeface="Nyala"/>
+        <a:font script="Beng" typeface="Vrinda"/>
+        <a:font script="Gujr" typeface="Shruti"/>
+        <a:font script="Khmr" typeface="DaunPenh"/>
+        <a:font script="Knda" typeface="Tunga"/>
+        <a:font script="Guru" typeface="Raavi"/>
+        <a:font script="Cans" typeface="Euphemia"/>
+        <a:font script="Cher" typeface="Plantagenet Cherokee"/>
+        <a:font script="Yiii" typeface="Microsoft Yi Baiti"/>
+        <a:font script="Tibt" typeface="Microsoft Himalaya"/>
+        <a:font script="Thaa" typeface="MV Boli"/>
+        <a:font script="Deva" typeface="Mangal"/>
+        <a:font script="Telu" typeface="Gautami"/>
+        <a:font script="Taml" typeface="Latha"/>
+        <a:font script="Syrc" typeface="Estrangelo Edessa"/>
+        <a:font script="Orya" typeface="Kalinga"/>
+        <a:font script="Mlym" typeface="Kartika"/>
+        <a:font script="Laoo" typeface="DokChampa"/>
+        <a:font script="Sinh" typeface="Iskoola Pota"/>
+        <a:font script="Mong" typeface="Mongolian Baiti"/>
+        <a:font script="Viet" typeface="Arial"/>
+        <a:font script="Uigh" typeface="Microsoft Uighur"/>
+        <a:font script="Geor" typeface="Sylfaen"/>
+        <a:font script="Armn" typeface="Arial"/>
+        <a:font script="Bugi" typeface="Leelawadee UI"/>
+        <a:font script="Bopo" typeface="Microsoft JhengHei"/>
+        <a:font script="Java" typeface="Javanese Text"/>
+        <a:font script="Lisu" typeface="Segoe UI"/>
+        <a:font script="Mymr" typeface="Myanmar Text"/>
+        <a:font script="Nkoo" typeface="Ebrima"/>
+        <a:font script="Olck" typeface="Nirmala UI"/>
+        <a:font script="Osma" typeface="Ebrima"/>
+        <a:font script="Phag" typeface="Phagspa"/>
+        <a:font script="Syrn" typeface="Estrangelo Edessa"/>
+        <a:font script="Syrj" typeface="Estrangelo Edessa"/>
+        <a:font script="Syre" typeface="Estrangelo Edessa"/>
+        <a:font script="Sora" typeface="Nirmala UI"/>
+        <a:font script="Tale" typeface="Microsoft Tai Le"/>
+        <a:font script="Talu" typeface="Microsoft New Tai Lue"/>
+        <a:font script="Tfng" typeface="Ebrima"/>
+      </a:minorFont>
+    </a:fontScheme>
+    <a:fmtScheme name="Office">
+      <a:fillStyleLst>
+        <a:solidFill>
+          <a:schemeClr val="phClr"/>
+        </a:solidFill>
+        <a:gradFill rotWithShape="1">
+          <a:gsLst>
+            <a:gs pos="0">
+              <a:schemeClr val="phClr">
+                <a:lumMod val="110000"/>
+                <a:satMod val="105000"/>
+                <a:tint val="67000"/>
+              </a:schemeClr>
+            </a:gs>
+            <a:gs pos="50000">
+              <a:schemeClr val="phClr">
+                <a:lumMod val="105000"/>
+                <a:satMod val="103000"/>
+                <a:tint val="73000"/>
+              </a:schemeClr>
+            </a:gs>
+            <a:gs pos="100000">
+              <a:schemeClr val="phClr">
+                <a:lumMod val="105000"/>
+                <a:satMod val="109000"/>
+                <a:tint val="81000"/>
+              </a:schemeClr>
+            </a:gs>
+          </a:gsLst>
+          <a:lin ang="5400000" scaled="0"/>
+        </a:gradFill>
+        <a:gradFill rotWithShape="1">
+          <a:gsLst>
+            <a:gs pos="0">
+              <a:schemeClr val="phClr">
+                <a:satMod val="103000"/>
+                <a:lumMod val="102000"/>
+                <a:tint val="94000"/>
+              </a:schemeClr>
+            </a:gs>
+            <a:gs pos="50000">
+              <a:schemeClr val="phClr">
+                <a:satMod val="110000"/>
+                <a:lumMod val="100000"/>
+                <a:shade val="100000"/>
+              </a:schemeClr>
+            </a:gs>
+            <a:gs pos="100000">
+              <a:schemeClr val="phClr">
+                <a:lumMod val="99000"/>
+                <a:satMod val="120000"/>
+                <a:shade val="78000"/>
+              </a:schemeClr>
+            </a:gs>
+          </a:gsLst>
+          <a:lin ang="5400000" scaled="0"/>
+        </a:gradFill>
+      </a:fillStyleLst>
+      <a:lnStyleLst>
+        <a:ln w="6350" cap="flat" cmpd="sng" algn="ctr">
+          <a:solidFill>
+            <a:schemeClr val="phClr"/>
+          </a:solidFill>
+          <a:prstDash val="solid"/>
+          <a:miter lim="800000"/>
+        </a:ln>
+        <a:ln w="12700" cap="flat" cmpd="sng" algn="ctr">
+          <a:solidFill>
+            <a:schemeClr val="phClr"/>
+          </a:solidFill>
+          <a:prstDash val="solid"/>
+          <a:miter lim="800000"/>
+        </a:ln>
+        <a:ln w="19050" cap="flat" cmpd="sng" algn="ctr">
+          <a:solidFill>
+            <a:schemeClr val="phClr"/>
+          </a:solidFill>
+          <a:prstDash val="solid"/>
+          <a:miter lim="800000"/>
+        </a:ln>
+      </a:lnStyleLst>
+      <a:effectStyleLst>
+        <a:effectStyle>
+          <a:effectLst/>
+        </a:effectStyle>
+        <a:effectStyle>
+          <a:effectLst/>
+        </a:effectStyle>
+        <a:effectStyle>
+          <a:effectLst>
+            <a:outerShdw blurRad="57150" dist="19050" dir="5400000" algn="ctr" rotWithShape="0">
+              <a:srgbClr val="000000">
+                <a:alpha val="63000"/>
+              </a:srgbClr>
+            </a:outerShdw>
+          </a:effectLst>
+        </a:effectStyle>
+      </a:effectStyleLst>
+      <a:bgFillStyleLst>
+        <a:solidFill>
+          <a:schemeClr val="phClr"/>
+        </a:solidFill>
+        <a:solidFill>
+          <a:schemeClr val="phClr">
+            <a:tint val="95000"/>
+            <a:satMod val="170000"/>
+          </a:schemeClr>
+        </a:solidFill>
+        <a:gradFill rotWithShape="1">
+          <a:gsLst>
+            <a:gs pos="0">
+              <a:schemeClr val="phClr">
+                <a:tint val="93000"/>
+                <a:satMod val="150000"/>
+                <a:shade val="98000"/>
+                <a:lumMod val="102000"/>
+              </a:schemeClr>
+            </a:gs>
+            <a:gs pos="50000">
+              <a:schemeClr val="phClr">
+                <a:tint val="98000"/>
+                <a:satMod val="130000"/>
+                <a:shade val="90000"/>
+                <a:lumMod val="103000"/>
+              </a:schemeClr>
+            </a:gs>
+            <a:gs pos="100000">
+              <a:schemeClr val="phClr">
+                <a:shade val="63000"/>
+                <a:satMod val="120000"/>
+              </a:schemeClr>
+            </a:gs>
+          </a:gsLst>
+          <a:lin ang="5400000" scaled="0"/>
+        </a:gradFill>
+      </a:bgFillStyleLst>
+    </a:fmtScheme>
+  </a:themeElements>
+  <a:objectDefaults/>
+  <a:extraClrSchemeLst/>
+  <a:extLst>
+    <a:ext uri="{05A4C25C-085E-4340-85A3-A5531E510DB2}">
+      <thm15:themeFamily xmlns:thm15="http://schemas.microsoft.com/office/thememl/2012/main" name="Office Theme" id="{62F939B6-93AF-4DB8-9C6B-D6C7DFDC589F}" vid="{4A3C46E8-61CC-4603-A589-7422A47A8E4A}"/>
+    </a:ext>
+  </a:extLst>
+</a:theme>
 </file>
--- a/doc/presentation-mutation.pptx
+++ b/doc/presentation-mutation.pptx
@@ -242,7 +242,7 @@
           <a:p>
             <a:fld id="{050833AE-3F72-4298-BE01-2131C90B7A51}" type="datetimeFigureOut">
               <a:rPr lang="hu-HU" smtClean="0"/>
-              <a:t>2021. 01. 31.</a:t>
+              <a:t>2021. 02. 01.</a:t>
             </a:fld>
             <a:endParaRPr lang="hu-HU"/>
           </a:p>
@@ -680,7 +680,7 @@
           <a:p>
             <a:fld id="{43966394-2AA1-45FC-900B-D6A463C0D04B}" type="datetime1">
               <a:rPr lang="en-US" smtClean="0"/>
-              <a:t>1/31/2021</a:t>
+              <a:t>2/1/2021</a:t>
             </a:fld>
             <a:endParaRPr lang="en-US" dirty="0"/>
           </a:p>
@@ -946,7 +946,7 @@
           <a:p>
             <a:fld id="{F31C49A0-75A3-45E2-9F5E-9466AC5E36E9}" type="datetime1">
               <a:rPr lang="en-US" smtClean="0"/>
-              <a:t>1/31/2021</a:t>
+              <a:t>2/1/2021</a:t>
             </a:fld>
             <a:endParaRPr lang="en-US" dirty="0"/>
           </a:p>
@@ -1176,7 +1176,7 @@
           <a:p>
             <a:fld id="{01F239B4-D6C5-4FEF-999B-078B60F1CDA1}" type="datetime1">
               <a:rPr lang="en-US" smtClean="0"/>
-              <a:t>1/31/2021</a:t>
+              <a:t>2/1/2021</a:t>
             </a:fld>
             <a:endParaRPr lang="en-US" dirty="0"/>
           </a:p>
@@ -1485,7 +1485,7 @@
           <a:p>
             <a:fld id="{3D952A1E-E70A-44B7-84D0-4120C9EE0571}" type="datetime1">
               <a:rPr lang="en-US" smtClean="0"/>
-              <a:t>1/31/2021</a:t>
+              <a:t>2/1/2021</a:t>
             </a:fld>
             <a:endParaRPr lang="en-US" dirty="0"/>
           </a:p>
@@ -1957,7 +1957,7 @@
           <a:p>
             <a:fld id="{68243689-1436-46EF-9C7E-7D8C99BA2659}" type="datetime1">
               <a:rPr lang="en-US" smtClean="0"/>
-              <a:t>1/31/2021</a:t>
+              <a:t>2/1/2021</a:t>
             </a:fld>
             <a:endParaRPr lang="en-US" dirty="0"/>
           </a:p>
@@ -2503,7 +2503,7 @@
           <a:p>
             <a:fld id="{486D9194-18B5-448F-9498-578C5DB8B1D4}" type="datetime1">
               <a:rPr lang="en-US" smtClean="0"/>
-              <a:t>1/31/2021</a:t>
+              <a:t>2/1/2021</a:t>
             </a:fld>
             <a:endParaRPr lang="en-US" dirty="0"/>
           </a:p>
@@ -3276,7 +3276,7 @@
           <a:p>
             <a:fld id="{B46F82F1-A273-4909-8F43-65EEADED5A2A}" type="datetime1">
               <a:rPr lang="en-US" smtClean="0"/>
-              <a:t>1/31/2021</a:t>
+              <a:t>2/1/2021</a:t>
             </a:fld>
             <a:endParaRPr lang="en-US" dirty="0"/>
           </a:p>
@@ -3450,7 +3450,7 @@
           <a:p>
             <a:fld id="{819B858C-49BC-41BF-B919-F485160B7282}" type="datetime1">
               <a:rPr lang="en-US" smtClean="0"/>
-              <a:t>1/31/2021</a:t>
+              <a:t>2/1/2021</a:t>
             </a:fld>
             <a:endParaRPr lang="en-US" dirty="0"/>
           </a:p>
@@ -3672,7 +3672,7 @@
           <a:p>
             <a:fld id="{741E18DB-5771-45C8-BA65-868C60F588D4}" type="datetime1">
               <a:rPr lang="en-US" smtClean="0"/>
-              <a:t>1/31/2021</a:t>
+              <a:t>2/1/2021</a:t>
             </a:fld>
             <a:endParaRPr lang="en-US" dirty="0"/>
           </a:p>
@@ -3851,7 +3851,7 @@
           <a:p>
             <a:fld id="{60472E37-A087-4F91-92C8-9F7E347C5F00}" type="datetime1">
               <a:rPr lang="en-US" smtClean="0"/>
-              <a:t>1/31/2021</a:t>
+              <a:t>2/1/2021</a:t>
             </a:fld>
             <a:endParaRPr lang="en-US" dirty="0"/>
           </a:p>
@@ -4139,7 +4139,7 @@
           <a:p>
             <a:fld id="{A9581983-55AF-4583-9DA6-F7B845302A06}" type="datetime1">
               <a:rPr lang="en-US" smtClean="0"/>
-              <a:t>1/31/2021</a:t>
+              <a:t>2/1/2021</a:t>
             </a:fld>
             <a:endParaRPr lang="en-US" dirty="0"/>
           </a:p>
@@ -4380,7 +4380,7 @@
           <a:p>
             <a:fld id="{1EBC4C31-B610-49BA-8274-1A32D9EC7CAC}" type="datetime1">
               <a:rPr lang="en-US" smtClean="0"/>
-              <a:t>1/31/2021</a:t>
+              <a:t>2/1/2021</a:t>
             </a:fld>
             <a:endParaRPr lang="en-US" dirty="0"/>
           </a:p>
@@ -4758,7 +4758,7 @@
           <a:p>
             <a:fld id="{6D660BD1-7954-4291-8820-322157BC24D3}" type="datetime1">
               <a:rPr lang="en-US" smtClean="0"/>
-              <a:t>1/31/2021</a:t>
+              <a:t>2/1/2021</a:t>
             </a:fld>
             <a:endParaRPr lang="en-US" dirty="0"/>
           </a:p>
@@ -4875,7 +4875,7 @@
           <a:p>
             <a:fld id="{1505FE7F-19E0-428A-9145-89982497D3E9}" type="datetime1">
               <a:rPr lang="en-US" smtClean="0"/>
-              <a:t>1/31/2021</a:t>
+              <a:t>2/1/2021</a:t>
             </a:fld>
             <a:endParaRPr lang="en-US" dirty="0"/>
           </a:p>
@@ -4969,7 +4969,7 @@
           <a:p>
             <a:fld id="{580CCBA3-2CD2-448C-A044-E2C85E48F54C}" type="datetime1">
               <a:rPr lang="en-US" smtClean="0"/>
-              <a:t>1/31/2021</a:t>
+              <a:t>2/1/2021</a:t>
             </a:fld>
             <a:endParaRPr lang="en-US" dirty="0"/>
           </a:p>
@@ -5217,7 +5217,7 @@
           <a:p>
             <a:fld id="{105B224F-2434-4779-AAA3-BB0B543FA70F}" type="datetime1">
               <a:rPr lang="en-US" smtClean="0"/>
-              <a:t>1/31/2021</a:t>
+              <a:t>2/1/2021</a:t>
             </a:fld>
             <a:endParaRPr lang="en-US" dirty="0"/>
           </a:p>
@@ -5473,7 +5473,7 @@
           <a:p>
             <a:fld id="{E75B880F-A62A-4CB9-BFAE-6A7450CD074C}" type="datetime1">
               <a:rPr lang="en-US" smtClean="0"/>
-              <a:t>1/31/2021</a:t>
+              <a:t>2/1/2021</a:t>
             </a:fld>
             <a:endParaRPr lang="en-US" dirty="0"/>
           </a:p>
@@ -5715,7 +5715,7 @@
           <a:p>
             <a:fld id="{331D8895-4D79-473C-9E12-7C69293120B0}" type="datetime1">
               <a:rPr lang="en-US" smtClean="0"/>
-              <a:t>1/31/2021</a:t>
+              <a:t>2/1/2021</a:t>
             </a:fld>
             <a:endParaRPr lang="en-US" dirty="0"/>
           </a:p>
@@ -6159,7 +6159,7 @@
         </p:nvSpPr>
         <p:spPr>
           <a:xfrm>
-            <a:off x="6096000" y="4880113"/>
+            <a:off x="5243593" y="4833618"/>
             <a:ext cx="8358810" cy="1437469"/>
           </a:xfrm>
         </p:spPr>
@@ -6171,7 +6171,7 @@
           <a:p>
             <a:r>
               <a:rPr lang="hu-HU" b="1" dirty="0"/>
-              <a:t>Mutációs teszt</a:t>
+              <a:t>Mutációs tesztEK</a:t>
             </a:r>
           </a:p>
         </p:txBody>
@@ -6754,7 +6754,7 @@
               <a:rPr lang="hu-HU" sz="2400" i="1" dirty="0"/>
             </a:br>
             <a:r>
-              <a:rPr lang="hu-HU" sz="2400" i="1" dirty="0"/>
+              <a:rPr lang="hu-HU" sz="1600" i="1" dirty="0"/>
               <a:t>(</a:t>
             </a:r>
             <a:r>
@@ -6762,7 +6762,7 @@
               <a:t>De ki őrzi majd az őrzőket?</a:t>
             </a:r>
             <a:r>
-              <a:rPr lang="hu-HU" sz="2400" i="1" dirty="0"/>
+              <a:rPr lang="hu-HU" sz="1600" i="1" dirty="0"/>
               <a:t>)</a:t>
             </a:r>
           </a:p>
@@ -6938,7 +6938,7 @@
           <a:p>
             <a:r>
               <a:rPr lang="hu-HU" sz="2400" dirty="0"/>
-              <a:t>Extrém példa</a:t>
+              <a:t>Extrém példa:</a:t>
             </a:r>
           </a:p>
           <a:p>
@@ -7384,6 +7384,66 @@
           </a:p>
         </p:txBody>
       </p:sp>
+      <p:pic>
+        <p:nvPicPr>
+          <p:cNvPr id="6" name="Picture 5">
+            <a:extLst>
+              <a:ext uri="{FF2B5EF4-FFF2-40B4-BE49-F238E27FC236}">
+                <a16:creationId xmlns:a16="http://schemas.microsoft.com/office/drawing/2014/main" id="{FEC4423F-9496-474D-A6D7-6F5722DB31CE}"/>
+              </a:ext>
+            </a:extLst>
+          </p:cNvPr>
+          <p:cNvPicPr>
+            <a:picLocks noChangeAspect="1"/>
+          </p:cNvPicPr>
+          <p:nvPr/>
+        </p:nvPicPr>
+        <p:blipFill>
+          <a:blip r:embed="rId2"/>
+          <a:stretch>
+            <a:fillRect/>
+          </a:stretch>
+        </p:blipFill>
+        <p:spPr>
+          <a:xfrm>
+            <a:off x="7799520" y="4356315"/>
+            <a:ext cx="3280475" cy="1640238"/>
+          </a:xfrm>
+          <a:prstGeom prst="rect">
+            <a:avLst/>
+          </a:prstGeom>
+        </p:spPr>
+      </p:pic>
+      <p:pic>
+        <p:nvPicPr>
+          <p:cNvPr id="8" name="Picture 7">
+            <a:extLst>
+              <a:ext uri="{FF2B5EF4-FFF2-40B4-BE49-F238E27FC236}">
+                <a16:creationId xmlns:a16="http://schemas.microsoft.com/office/drawing/2014/main" id="{372F8650-F5F2-4972-B485-796E4828C6C0}"/>
+              </a:ext>
+            </a:extLst>
+          </p:cNvPr>
+          <p:cNvPicPr>
+            <a:picLocks noChangeAspect="1"/>
+          </p:cNvPicPr>
+          <p:nvPr/>
+        </p:nvPicPr>
+        <p:blipFill>
+          <a:blip r:embed="rId3"/>
+          <a:stretch>
+            <a:fillRect/>
+          </a:stretch>
+        </p:blipFill>
+        <p:spPr>
+          <a:xfrm>
+            <a:off x="7176750" y="1335922"/>
+            <a:ext cx="1687368" cy="2320871"/>
+          </a:xfrm>
+          <a:prstGeom prst="rect">
+            <a:avLst/>
+          </a:prstGeom>
+        </p:spPr>
+      </p:pic>
     </p:spTree>
     <p:extLst>
       <p:ext uri="{BB962C8B-B14F-4D97-AF65-F5344CB8AC3E}">
@@ -7496,13 +7556,16 @@
           <a:p>
             <a:r>
               <a:rPr lang="hu-HU" sz="2400" dirty="0"/>
-              <a:t>A sikertelen tesztek  / összes eset alapján statisztika készítése</a:t>
+              <a:t>A sikertelen tesztek (killed)  / összes eset alapján statisztika készítése</a:t>
             </a:r>
           </a:p>
           <a:p>
             <a:endParaRPr lang="hu-HU" sz="2400" dirty="0"/>
           </a:p>
           <a:p>
+            <a:pPr marL="0" indent="0">
+              <a:buNone/>
+            </a:pPr>
             <a:r>
               <a:rPr lang="hu-HU" sz="2400" dirty="0"/>
               <a:t>Az összes mutáció a rá illeszkedő összes tesztel adja a végső eredményt. Nincs </a:t>
@@ -7517,6 +7580,12 @@
             </a:r>
           </a:p>
           <a:p>
+            <a:endParaRPr lang="hu-HU" sz="2400" dirty="0"/>
+          </a:p>
+          <a:p>
+            <a:pPr marL="0" indent="0">
+              <a:buNone/>
+            </a:pPr>
             <a:endParaRPr lang="hu-HU" sz="2400" dirty="0"/>
           </a:p>
         </p:txBody>
@@ -7898,12 +7967,137 @@
           </a:prstGeom>
         </p:spPr>
       </p:pic>
+      <p:sp>
+        <p:nvSpPr>
+          <p:cNvPr id="9" name="Szövegdoboz 8">
+            <a:extLst>
+              <a:ext uri="{FF2B5EF4-FFF2-40B4-BE49-F238E27FC236}">
+                <a16:creationId xmlns:a16="http://schemas.microsoft.com/office/drawing/2014/main" id="{7CC7EFCA-36B4-426B-A62A-057EDE610BCD}"/>
+              </a:ext>
+            </a:extLst>
+          </p:cNvPr>
+          <p:cNvSpPr txBox="1"/>
+          <p:nvPr/>
+        </p:nvSpPr>
+        <p:spPr>
+          <a:xfrm>
+            <a:off x="500688" y="2284639"/>
+            <a:ext cx="5095874" cy="461665"/>
+          </a:xfrm>
+          <a:prstGeom prst="rect">
+            <a:avLst/>
+          </a:prstGeom>
+          <a:noFill/>
+        </p:spPr>
+        <p:txBody>
+          <a:bodyPr wrap="square" rtlCol="0">
+            <a:spAutoFit/>
+          </a:bodyPr>
+          <a:lstStyle/>
+          <a:p>
+            <a:r>
+              <a:rPr lang="hu-HU" sz="2400" dirty="0"/>
+              <a:t>Java, </a:t>
+            </a:r>
+            <a:r>
+              <a:rPr lang="hu-HU" sz="2400" dirty="0" err="1"/>
+              <a:t>Kotlin</a:t>
+            </a:r>
+            <a:r>
+              <a:rPr lang="hu-HU" sz="2400" dirty="0"/>
+              <a:t>… JVM </a:t>
+            </a:r>
+            <a:r>
+              <a:rPr lang="hu-HU" sz="2400" dirty="0" err="1"/>
+              <a:t>languages</a:t>
+            </a:r>
+            <a:endParaRPr lang="hu-HU" sz="2400" dirty="0"/>
+          </a:p>
+        </p:txBody>
+      </p:sp>
+      <p:sp>
+        <p:nvSpPr>
+          <p:cNvPr id="10" name="Szövegdoboz 9">
+            <a:extLst>
+              <a:ext uri="{FF2B5EF4-FFF2-40B4-BE49-F238E27FC236}">
+                <a16:creationId xmlns:a16="http://schemas.microsoft.com/office/drawing/2014/main" id="{9E2750D5-FD52-4163-B2FE-A4632FB7E62B}"/>
+              </a:ext>
+            </a:extLst>
+          </p:cNvPr>
+          <p:cNvSpPr txBox="1"/>
+          <p:nvPr/>
+        </p:nvSpPr>
+        <p:spPr>
+          <a:xfrm>
+            <a:off x="6934199" y="2284639"/>
+            <a:ext cx="5095874" cy="461665"/>
+          </a:xfrm>
+          <a:prstGeom prst="rect">
+            <a:avLst/>
+          </a:prstGeom>
+          <a:noFill/>
+        </p:spPr>
+        <p:txBody>
+          <a:bodyPr wrap="square" rtlCol="0">
+            <a:spAutoFit/>
+          </a:bodyPr>
+          <a:lstStyle/>
+          <a:p>
+            <a:r>
+              <a:rPr lang="hu-HU" sz="2400" dirty="0"/>
+              <a:t>JavaScript, </a:t>
+            </a:r>
+            <a:r>
+              <a:rPr lang="hu-HU" sz="2400" dirty="0" err="1"/>
+              <a:t>TypeScript</a:t>
+            </a:r>
+            <a:r>
+              <a:rPr lang="hu-HU" sz="2400" dirty="0"/>
+              <a:t>, C#, Scala</a:t>
+            </a:r>
+          </a:p>
+        </p:txBody>
+      </p:sp>
+      <p:sp>
+        <p:nvSpPr>
+          <p:cNvPr id="11" name="Footer Placeholder 3">
+            <a:extLst>
+              <a:ext uri="{FF2B5EF4-FFF2-40B4-BE49-F238E27FC236}">
+                <a16:creationId xmlns:a16="http://schemas.microsoft.com/office/drawing/2014/main" id="{4D2F5628-62B2-4002-8519-6C7727300768}"/>
+              </a:ext>
+            </a:extLst>
+          </p:cNvPr>
+          <p:cNvSpPr>
+            <a:spLocks noGrp="1"/>
+          </p:cNvSpPr>
+          <p:nvPr>
+            <p:ph type="ftr" sz="quarter" idx="11"/>
+          </p:nvPr>
+        </p:nvSpPr>
+        <p:spPr>
+          <a:xfrm>
+            <a:off x="11506200" y="6412994"/>
+            <a:ext cx="812800" cy="365125"/>
+          </a:xfrm>
+        </p:spPr>
+        <p:txBody>
+          <a:bodyPr/>
+          <a:lstStyle/>
+          <a:p>
+            <a:r>
+              <a:rPr lang="en-US" dirty="0" err="1"/>
+              <a:t>zlaval</a:t>
+            </a:r>
+            <a:endParaRPr lang="en-US" dirty="0"/>
+          </a:p>
+        </p:txBody>
+      </p:sp>
       <p:pic>
         <p:nvPicPr>
-          <p:cNvPr id="8" name="Kép 7">
+          <p:cNvPr id="7" name="Picture 6">
             <a:extLst>
               <a:ext uri="{FF2B5EF4-FFF2-40B4-BE49-F238E27FC236}">
-                <a16:creationId xmlns:a16="http://schemas.microsoft.com/office/drawing/2014/main" id="{8DFCF858-5534-4E64-B638-2E818A1CA31E}"/>
+                <a16:creationId xmlns:a16="http://schemas.microsoft.com/office/drawing/2014/main" id="{CE0B83EF-D2F3-4743-9D0B-1133F2BA63B1}"/>
               </a:ext>
             </a:extLst>
           </p:cNvPr>
@@ -7920,139 +8114,14 @@
         </p:blipFill>
         <p:spPr>
           <a:xfrm>
-            <a:off x="7269644" y="2904765"/>
-            <a:ext cx="3882060" cy="3882060"/>
+            <a:off x="7035079" y="2798822"/>
+            <a:ext cx="4471121" cy="3979297"/>
           </a:xfrm>
           <a:prstGeom prst="rect">
             <a:avLst/>
           </a:prstGeom>
         </p:spPr>
       </p:pic>
-      <p:sp>
-        <p:nvSpPr>
-          <p:cNvPr id="9" name="Szövegdoboz 8">
-            <a:extLst>
-              <a:ext uri="{FF2B5EF4-FFF2-40B4-BE49-F238E27FC236}">
-                <a16:creationId xmlns:a16="http://schemas.microsoft.com/office/drawing/2014/main" id="{7CC7EFCA-36B4-426B-A62A-057EDE610BCD}"/>
-              </a:ext>
-            </a:extLst>
-          </p:cNvPr>
-          <p:cNvSpPr txBox="1"/>
-          <p:nvPr/>
-        </p:nvSpPr>
-        <p:spPr>
-          <a:xfrm>
-            <a:off x="500688" y="2284639"/>
-            <a:ext cx="5095874" cy="461665"/>
-          </a:xfrm>
-          <a:prstGeom prst="rect">
-            <a:avLst/>
-          </a:prstGeom>
-          <a:noFill/>
-        </p:spPr>
-        <p:txBody>
-          <a:bodyPr wrap="square" rtlCol="0">
-            <a:spAutoFit/>
-          </a:bodyPr>
-          <a:lstStyle/>
-          <a:p>
-            <a:r>
-              <a:rPr lang="hu-HU" sz="2400" dirty="0"/>
-              <a:t>Java, </a:t>
-            </a:r>
-            <a:r>
-              <a:rPr lang="hu-HU" sz="2400" dirty="0" err="1"/>
-              <a:t>Kotlin</a:t>
-            </a:r>
-            <a:r>
-              <a:rPr lang="hu-HU" sz="2400" dirty="0"/>
-              <a:t>… JVM </a:t>
-            </a:r>
-            <a:r>
-              <a:rPr lang="hu-HU" sz="2400" dirty="0" err="1"/>
-              <a:t>languages</a:t>
-            </a:r>
-            <a:endParaRPr lang="hu-HU" sz="2400" dirty="0"/>
-          </a:p>
-        </p:txBody>
-      </p:sp>
-      <p:sp>
-        <p:nvSpPr>
-          <p:cNvPr id="10" name="Szövegdoboz 9">
-            <a:extLst>
-              <a:ext uri="{FF2B5EF4-FFF2-40B4-BE49-F238E27FC236}">
-                <a16:creationId xmlns:a16="http://schemas.microsoft.com/office/drawing/2014/main" id="{9E2750D5-FD52-4163-B2FE-A4632FB7E62B}"/>
-              </a:ext>
-            </a:extLst>
-          </p:cNvPr>
-          <p:cNvSpPr txBox="1"/>
-          <p:nvPr/>
-        </p:nvSpPr>
-        <p:spPr>
-          <a:xfrm>
-            <a:off x="6934199" y="2284639"/>
-            <a:ext cx="5095874" cy="461665"/>
-          </a:xfrm>
-          <a:prstGeom prst="rect">
-            <a:avLst/>
-          </a:prstGeom>
-          <a:noFill/>
-        </p:spPr>
-        <p:txBody>
-          <a:bodyPr wrap="square" rtlCol="0">
-            <a:spAutoFit/>
-          </a:bodyPr>
-          <a:lstStyle/>
-          <a:p>
-            <a:r>
-              <a:rPr lang="hu-HU" sz="2400" dirty="0"/>
-              <a:t>JavaScript, </a:t>
-            </a:r>
-            <a:r>
-              <a:rPr lang="hu-HU" sz="2400" dirty="0" err="1"/>
-              <a:t>TypeScript</a:t>
-            </a:r>
-            <a:r>
-              <a:rPr lang="hu-HU" sz="2400" dirty="0"/>
-              <a:t>, C#, Scala</a:t>
-            </a:r>
-          </a:p>
-        </p:txBody>
-      </p:sp>
-      <p:sp>
-        <p:nvSpPr>
-          <p:cNvPr id="11" name="Footer Placeholder 3">
-            <a:extLst>
-              <a:ext uri="{FF2B5EF4-FFF2-40B4-BE49-F238E27FC236}">
-                <a16:creationId xmlns:a16="http://schemas.microsoft.com/office/drawing/2014/main" id="{4D2F5628-62B2-4002-8519-6C7727300768}"/>
-              </a:ext>
-            </a:extLst>
-          </p:cNvPr>
-          <p:cNvSpPr>
-            <a:spLocks noGrp="1"/>
-          </p:cNvSpPr>
-          <p:nvPr>
-            <p:ph type="ftr" sz="quarter" idx="11"/>
-          </p:nvPr>
-        </p:nvSpPr>
-        <p:spPr>
-          <a:xfrm>
-            <a:off x="11506200" y="6412994"/>
-            <a:ext cx="812800" cy="365125"/>
-          </a:xfrm>
-        </p:spPr>
-        <p:txBody>
-          <a:bodyPr/>
-          <a:lstStyle/>
-          <a:p>
-            <a:r>
-              <a:rPr lang="en-US" dirty="0" err="1"/>
-              <a:t>zlaval</a:t>
-            </a:r>
-            <a:endParaRPr lang="en-US" dirty="0"/>
-          </a:p>
-        </p:txBody>
-      </p:sp>
     </p:spTree>
     <p:extLst>
       <p:ext uri="{BB962C8B-B14F-4D97-AF65-F5344CB8AC3E}">
@@ -8254,6 +8323,36 @@
           </a:p>
         </p:txBody>
       </p:sp>
+      <p:pic>
+        <p:nvPicPr>
+          <p:cNvPr id="6" name="Picture 5">
+            <a:extLst>
+              <a:ext uri="{FF2B5EF4-FFF2-40B4-BE49-F238E27FC236}">
+                <a16:creationId xmlns:a16="http://schemas.microsoft.com/office/drawing/2014/main" id="{31E0BBE7-5C20-42CB-9B25-AD486EF72C77}"/>
+              </a:ext>
+            </a:extLst>
+          </p:cNvPr>
+          <p:cNvPicPr>
+            <a:picLocks noChangeAspect="1"/>
+          </p:cNvPicPr>
+          <p:nvPr/>
+        </p:nvPicPr>
+        <p:blipFill>
+          <a:blip r:embed="rId3"/>
+          <a:stretch>
+            <a:fillRect/>
+          </a:stretch>
+        </p:blipFill>
+        <p:spPr>
+          <a:xfrm>
+            <a:off x="7625529" y="810894"/>
+            <a:ext cx="344903" cy="349502"/>
+          </a:xfrm>
+          <a:prstGeom prst="rect">
+            <a:avLst/>
+          </a:prstGeom>
+        </p:spPr>
+      </p:pic>
     </p:spTree>
     <p:extLst>
       <p:ext uri="{BB962C8B-B14F-4D97-AF65-F5344CB8AC3E}">

--- a/doc/presentation-mutation.pptx
+++ b/doc/presentation-mutation.pptx
@@ -242,7 +242,7 @@
           <a:p>
             <a:fld id="{050833AE-3F72-4298-BE01-2131C90B7A51}" type="datetimeFigureOut">
               <a:rPr lang="hu-HU" smtClean="0"/>
-              <a:t>2021. 02. 01.</a:t>
+              <a:t>2021. 02. 03.</a:t>
             </a:fld>
             <a:endParaRPr lang="hu-HU"/>
           </a:p>
@@ -680,7 +680,7 @@
           <a:p>
             <a:fld id="{43966394-2AA1-45FC-900B-D6A463C0D04B}" type="datetime1">
               <a:rPr lang="en-US" smtClean="0"/>
-              <a:t>2/1/2021</a:t>
+              <a:t>2/3/2021</a:t>
             </a:fld>
             <a:endParaRPr lang="en-US" dirty="0"/>
           </a:p>
@@ -946,7 +946,7 @@
           <a:p>
             <a:fld id="{F31C49A0-75A3-45E2-9F5E-9466AC5E36E9}" type="datetime1">
               <a:rPr lang="en-US" smtClean="0"/>
-              <a:t>2/1/2021</a:t>
+              <a:t>2/3/2021</a:t>
             </a:fld>
             <a:endParaRPr lang="en-US" dirty="0"/>
           </a:p>
@@ -1176,7 +1176,7 @@
           <a:p>
             <a:fld id="{01F239B4-D6C5-4FEF-999B-078B60F1CDA1}" type="datetime1">
               <a:rPr lang="en-US" smtClean="0"/>
-              <a:t>2/1/2021</a:t>
+              <a:t>2/3/2021</a:t>
             </a:fld>
             <a:endParaRPr lang="en-US" dirty="0"/>
           </a:p>
@@ -1485,7 +1485,7 @@
           <a:p>
             <a:fld id="{3D952A1E-E70A-44B7-84D0-4120C9EE0571}" type="datetime1">
               <a:rPr lang="en-US" smtClean="0"/>
-              <a:t>2/1/2021</a:t>
+              <a:t>2/3/2021</a:t>
             </a:fld>
             <a:endParaRPr lang="en-US" dirty="0"/>
           </a:p>
@@ -1957,7 +1957,7 @@
           <a:p>
             <a:fld id="{68243689-1436-46EF-9C7E-7D8C99BA2659}" type="datetime1">
               <a:rPr lang="en-US" smtClean="0"/>
-              <a:t>2/1/2021</a:t>
+              <a:t>2/3/2021</a:t>
             </a:fld>
             <a:endParaRPr lang="en-US" dirty="0"/>
           </a:p>
@@ -2503,7 +2503,7 @@
           <a:p>
             <a:fld id="{486D9194-18B5-448F-9498-578C5DB8B1D4}" type="datetime1">
               <a:rPr lang="en-US" smtClean="0"/>
-              <a:t>2/1/2021</a:t>
+              <a:t>2/3/2021</a:t>
             </a:fld>
             <a:endParaRPr lang="en-US" dirty="0"/>
           </a:p>
@@ -3276,7 +3276,7 @@
           <a:p>
             <a:fld id="{B46F82F1-A273-4909-8F43-65EEADED5A2A}" type="datetime1">
               <a:rPr lang="en-US" smtClean="0"/>
-              <a:t>2/1/2021</a:t>
+              <a:t>2/3/2021</a:t>
             </a:fld>
             <a:endParaRPr lang="en-US" dirty="0"/>
           </a:p>
@@ -3450,7 +3450,7 @@
           <a:p>
             <a:fld id="{819B858C-49BC-41BF-B919-F485160B7282}" type="datetime1">
               <a:rPr lang="en-US" smtClean="0"/>
-              <a:t>2/1/2021</a:t>
+              <a:t>2/3/2021</a:t>
             </a:fld>
             <a:endParaRPr lang="en-US" dirty="0"/>
           </a:p>
@@ -3672,7 +3672,7 @@
           <a:p>
             <a:fld id="{741E18DB-5771-45C8-BA65-868C60F588D4}" type="datetime1">
               <a:rPr lang="en-US" smtClean="0"/>
-              <a:t>2/1/2021</a:t>
+              <a:t>2/3/2021</a:t>
             </a:fld>
             <a:endParaRPr lang="en-US" dirty="0"/>
           </a:p>
@@ -3851,7 +3851,7 @@
           <a:p>
             <a:fld id="{60472E37-A087-4F91-92C8-9F7E347C5F00}" type="datetime1">
               <a:rPr lang="en-US" smtClean="0"/>
-              <a:t>2/1/2021</a:t>
+              <a:t>2/3/2021</a:t>
             </a:fld>
             <a:endParaRPr lang="en-US" dirty="0"/>
           </a:p>
@@ -4139,7 +4139,7 @@
           <a:p>
             <a:fld id="{A9581983-55AF-4583-9DA6-F7B845302A06}" type="datetime1">
               <a:rPr lang="en-US" smtClean="0"/>
-              <a:t>2/1/2021</a:t>
+              <a:t>2/3/2021</a:t>
             </a:fld>
             <a:endParaRPr lang="en-US" dirty="0"/>
           </a:p>
@@ -4380,7 +4380,7 @@
           <a:p>
             <a:fld id="{1EBC4C31-B610-49BA-8274-1A32D9EC7CAC}" type="datetime1">
               <a:rPr lang="en-US" smtClean="0"/>
-              <a:t>2/1/2021</a:t>
+              <a:t>2/3/2021</a:t>
             </a:fld>
             <a:endParaRPr lang="en-US" dirty="0"/>
           </a:p>
@@ -4758,7 +4758,7 @@
           <a:p>
             <a:fld id="{6D660BD1-7954-4291-8820-322157BC24D3}" type="datetime1">
               <a:rPr lang="en-US" smtClean="0"/>
-              <a:t>2/1/2021</a:t>
+              <a:t>2/3/2021</a:t>
             </a:fld>
             <a:endParaRPr lang="en-US" dirty="0"/>
           </a:p>
@@ -4875,7 +4875,7 @@
           <a:p>
             <a:fld id="{1505FE7F-19E0-428A-9145-89982497D3E9}" type="datetime1">
               <a:rPr lang="en-US" smtClean="0"/>
-              <a:t>2/1/2021</a:t>
+              <a:t>2/3/2021</a:t>
             </a:fld>
             <a:endParaRPr lang="en-US" dirty="0"/>
           </a:p>
@@ -4969,7 +4969,7 @@
           <a:p>
             <a:fld id="{580CCBA3-2CD2-448C-A044-E2C85E48F54C}" type="datetime1">
               <a:rPr lang="en-US" smtClean="0"/>
-              <a:t>2/1/2021</a:t>
+              <a:t>2/3/2021</a:t>
             </a:fld>
             <a:endParaRPr lang="en-US" dirty="0"/>
           </a:p>
@@ -5217,7 +5217,7 @@
           <a:p>
             <a:fld id="{105B224F-2434-4779-AAA3-BB0B543FA70F}" type="datetime1">
               <a:rPr lang="en-US" smtClean="0"/>
-              <a:t>2/1/2021</a:t>
+              <a:t>2/3/2021</a:t>
             </a:fld>
             <a:endParaRPr lang="en-US" dirty="0"/>
           </a:p>
@@ -5473,7 +5473,7 @@
           <a:p>
             <a:fld id="{E75B880F-A62A-4CB9-BFAE-6A7450CD074C}" type="datetime1">
               <a:rPr lang="en-US" smtClean="0"/>
-              <a:t>2/1/2021</a:t>
+              <a:t>2/3/2021</a:t>
             </a:fld>
             <a:endParaRPr lang="en-US" dirty="0"/>
           </a:p>
@@ -5715,7 +5715,7 @@
           <a:p>
             <a:fld id="{331D8895-4D79-473C-9E12-7C69293120B0}" type="datetime1">
               <a:rPr lang="en-US" smtClean="0"/>
-              <a:t>2/1/2021</a:t>
+              <a:t>2/3/2021</a:t>
             </a:fld>
             <a:endParaRPr lang="en-US" dirty="0"/>
           </a:p>
@@ -6173,35 +6173,6 @@
               <a:rPr lang="hu-HU" b="1" dirty="0"/>
               <a:t>Mutációs tesztEK</a:t>
             </a:r>
-          </a:p>
-        </p:txBody>
-      </p:sp>
-      <p:sp>
-        <p:nvSpPr>
-          <p:cNvPr id="3" name="Footer Placeholder 2">
-            <a:extLst>
-              <a:ext uri="{FF2B5EF4-FFF2-40B4-BE49-F238E27FC236}">
-                <a16:creationId xmlns:a16="http://schemas.microsoft.com/office/drawing/2014/main" id="{F7D918B8-2695-4640-BE48-DB01F9A1ADF3}"/>
-              </a:ext>
-            </a:extLst>
-          </p:cNvPr>
-          <p:cNvSpPr>
-            <a:spLocks noGrp="1"/>
-          </p:cNvSpPr>
-          <p:nvPr>
-            <p:ph type="ftr" sz="quarter" idx="11"/>
-          </p:nvPr>
-        </p:nvSpPr>
-        <p:spPr/>
-        <p:txBody>
-          <a:bodyPr/>
-          <a:lstStyle/>
-          <a:p>
-            <a:r>
-              <a:rPr lang="en-US"/>
-              <a:t>zlaval</a:t>
-            </a:r>
-            <a:endParaRPr lang="en-US" dirty="0"/>
           </a:p>
         </p:txBody>
       </p:sp>

--- a/doc/presentation-mutation.pptx
+++ b/doc/presentation-mutation.pptx
@@ -137,29 +137,6 @@
 </p:cmAuthorLst>
 </file>
 
-<file path=ppt/comments/comment1.xml><?xml version="1.0" encoding="utf-8"?>
-<p:cmLst xmlns:a="http://schemas.openxmlformats.org/drawingml/2006/main" xmlns:r="http://schemas.openxmlformats.org/officeDocument/2006/relationships" xmlns:p="http://schemas.openxmlformats.org/presentationml/2006/main">
-  <p:cm authorId="1" dt="2021-01-31T12:56:32.906" idx="1">
-    <p:pos x="10" y="10"/>
-    <p:text>a fejlesztő ugyanúgy elronthatja / kifelejthet dolgokat, ahogy a tesztelni kívánt kódot, de teszt esetén semmi nem vizsgálja ezt</p:text>
-    <p:extLst>
-      <p:ext uri="{C676402C-5697-4E1C-873F-D02D1690AC5C}">
-        <p15:threadingInfo xmlns:p15="http://schemas.microsoft.com/office/powerpoint/2012/main" timeZoneBias="-60"/>
-      </p:ext>
-    </p:extLst>
-  </p:cm>
-  <p:cm authorId="1" dt="2021-01-31T12:57:28.990" idx="2">
-    <p:pos x="146" y="146"/>
-    <p:text>a tesztek tesztelése végtelen iterációt eredményezne</p:text>
-    <p:extLst>
-      <p:ext uri="{C676402C-5697-4E1C-873F-D02D1690AC5C}">
-        <p15:threadingInfo xmlns:p15="http://schemas.microsoft.com/office/powerpoint/2012/main" timeZoneBias="-60"/>
-      </p:ext>
-    </p:extLst>
-  </p:cm>
-</p:cmLst>
-</file>
-
 <file path=ppt/notesMasters/notesMaster1.xml><?xml version="1.0" encoding="utf-8"?>
 <p:notesMaster xmlns:a="http://schemas.openxmlformats.org/drawingml/2006/main" xmlns:r="http://schemas.openxmlformats.org/officeDocument/2006/relationships" xmlns:p="http://schemas.openxmlformats.org/presentationml/2006/main">
   <p:cSld>
@@ -242,7 +219,7 @@
           <a:p>
             <a:fld id="{050833AE-3F72-4298-BE01-2131C90B7A51}" type="datetimeFigureOut">
               <a:rPr lang="hu-HU" smtClean="0"/>
-              <a:t>2021. 02. 03.</a:t>
+              <a:t>2021. 02. 04.</a:t>
             </a:fld>
             <a:endParaRPr lang="hu-HU"/>
           </a:p>
@@ -680,7 +657,7 @@
           <a:p>
             <a:fld id="{43966394-2AA1-45FC-900B-D6A463C0D04B}" type="datetime1">
               <a:rPr lang="en-US" smtClean="0"/>
-              <a:t>2/3/2021</a:t>
+              <a:t>2/4/2021</a:t>
             </a:fld>
             <a:endParaRPr lang="en-US" dirty="0"/>
           </a:p>
@@ -946,7 +923,7 @@
           <a:p>
             <a:fld id="{F31C49A0-75A3-45E2-9F5E-9466AC5E36E9}" type="datetime1">
               <a:rPr lang="en-US" smtClean="0"/>
-              <a:t>2/3/2021</a:t>
+              <a:t>2/4/2021</a:t>
             </a:fld>
             <a:endParaRPr lang="en-US" dirty="0"/>
           </a:p>
@@ -1176,7 +1153,7 @@
           <a:p>
             <a:fld id="{01F239B4-D6C5-4FEF-999B-078B60F1CDA1}" type="datetime1">
               <a:rPr lang="en-US" smtClean="0"/>
-              <a:t>2/3/2021</a:t>
+              <a:t>2/4/2021</a:t>
             </a:fld>
             <a:endParaRPr lang="en-US" dirty="0"/>
           </a:p>
@@ -1485,7 +1462,7 @@
           <a:p>
             <a:fld id="{3D952A1E-E70A-44B7-84D0-4120C9EE0571}" type="datetime1">
               <a:rPr lang="en-US" smtClean="0"/>
-              <a:t>2/3/2021</a:t>
+              <a:t>2/4/2021</a:t>
             </a:fld>
             <a:endParaRPr lang="en-US" dirty="0"/>
           </a:p>
@@ -1957,7 +1934,7 @@
           <a:p>
             <a:fld id="{68243689-1436-46EF-9C7E-7D8C99BA2659}" type="datetime1">
               <a:rPr lang="en-US" smtClean="0"/>
-              <a:t>2/3/2021</a:t>
+              <a:t>2/4/2021</a:t>
             </a:fld>
             <a:endParaRPr lang="en-US" dirty="0"/>
           </a:p>
@@ -2503,7 +2480,7 @@
           <a:p>
             <a:fld id="{486D9194-18B5-448F-9498-578C5DB8B1D4}" type="datetime1">
               <a:rPr lang="en-US" smtClean="0"/>
-              <a:t>2/3/2021</a:t>
+              <a:t>2/4/2021</a:t>
             </a:fld>
             <a:endParaRPr lang="en-US" dirty="0"/>
           </a:p>
@@ -3276,7 +3253,7 @@
           <a:p>
             <a:fld id="{B46F82F1-A273-4909-8F43-65EEADED5A2A}" type="datetime1">
               <a:rPr lang="en-US" smtClean="0"/>
-              <a:t>2/3/2021</a:t>
+              <a:t>2/4/2021</a:t>
             </a:fld>
             <a:endParaRPr lang="en-US" dirty="0"/>
           </a:p>
@@ -3450,7 +3427,7 @@
           <a:p>
             <a:fld id="{819B858C-49BC-41BF-B919-F485160B7282}" type="datetime1">
               <a:rPr lang="en-US" smtClean="0"/>
-              <a:t>2/3/2021</a:t>
+              <a:t>2/4/2021</a:t>
             </a:fld>
             <a:endParaRPr lang="en-US" dirty="0"/>
           </a:p>
@@ -3672,7 +3649,7 @@
           <a:p>
             <a:fld id="{741E18DB-5771-45C8-BA65-868C60F588D4}" type="datetime1">
               <a:rPr lang="en-US" smtClean="0"/>
-              <a:t>2/3/2021</a:t>
+              <a:t>2/4/2021</a:t>
             </a:fld>
             <a:endParaRPr lang="en-US" dirty="0"/>
           </a:p>
@@ -3851,7 +3828,7 @@
           <a:p>
             <a:fld id="{60472E37-A087-4F91-92C8-9F7E347C5F00}" type="datetime1">
               <a:rPr lang="en-US" smtClean="0"/>
-              <a:t>2/3/2021</a:t>
+              <a:t>2/4/2021</a:t>
             </a:fld>
             <a:endParaRPr lang="en-US" dirty="0"/>
           </a:p>
@@ -4139,7 +4116,7 @@
           <a:p>
             <a:fld id="{A9581983-55AF-4583-9DA6-F7B845302A06}" type="datetime1">
               <a:rPr lang="en-US" smtClean="0"/>
-              <a:t>2/3/2021</a:t>
+              <a:t>2/4/2021</a:t>
             </a:fld>
             <a:endParaRPr lang="en-US" dirty="0"/>
           </a:p>
@@ -4380,7 +4357,7 @@
           <a:p>
             <a:fld id="{1EBC4C31-B610-49BA-8274-1A32D9EC7CAC}" type="datetime1">
               <a:rPr lang="en-US" smtClean="0"/>
-              <a:t>2/3/2021</a:t>
+              <a:t>2/4/2021</a:t>
             </a:fld>
             <a:endParaRPr lang="en-US" dirty="0"/>
           </a:p>
@@ -4758,7 +4735,7 @@
           <a:p>
             <a:fld id="{6D660BD1-7954-4291-8820-322157BC24D3}" type="datetime1">
               <a:rPr lang="en-US" smtClean="0"/>
-              <a:t>2/3/2021</a:t>
+              <a:t>2/4/2021</a:t>
             </a:fld>
             <a:endParaRPr lang="en-US" dirty="0"/>
           </a:p>
@@ -4875,7 +4852,7 @@
           <a:p>
             <a:fld id="{1505FE7F-19E0-428A-9145-89982497D3E9}" type="datetime1">
               <a:rPr lang="en-US" smtClean="0"/>
-              <a:t>2/3/2021</a:t>
+              <a:t>2/4/2021</a:t>
             </a:fld>
             <a:endParaRPr lang="en-US" dirty="0"/>
           </a:p>
@@ -4969,7 +4946,7 @@
           <a:p>
             <a:fld id="{580CCBA3-2CD2-448C-A044-E2C85E48F54C}" type="datetime1">
               <a:rPr lang="en-US" smtClean="0"/>
-              <a:t>2/3/2021</a:t>
+              <a:t>2/4/2021</a:t>
             </a:fld>
             <a:endParaRPr lang="en-US" dirty="0"/>
           </a:p>
@@ -5217,7 +5194,7 @@
           <a:p>
             <a:fld id="{105B224F-2434-4779-AAA3-BB0B543FA70F}" type="datetime1">
               <a:rPr lang="en-US" smtClean="0"/>
-              <a:t>2/3/2021</a:t>
+              <a:t>2/4/2021</a:t>
             </a:fld>
             <a:endParaRPr lang="en-US" dirty="0"/>
           </a:p>
@@ -5473,7 +5450,7 @@
           <a:p>
             <a:fld id="{E75B880F-A62A-4CB9-BFAE-6A7450CD074C}" type="datetime1">
               <a:rPr lang="en-US" smtClean="0"/>
-              <a:t>2/3/2021</a:t>
+              <a:t>2/4/2021</a:t>
             </a:fld>
             <a:endParaRPr lang="en-US" dirty="0"/>
           </a:p>
@@ -5715,7 +5692,7 @@
           <a:p>
             <a:fld id="{331D8895-4D79-473C-9E12-7C69293120B0}" type="datetime1">
               <a:rPr lang="en-US" smtClean="0"/>
-              <a:t>2/3/2021</a:t>
+              <a:t>2/4/2021</a:t>
             </a:fld>
             <a:endParaRPr lang="en-US" dirty="0"/>
           </a:p>
